--- a/illustrations/schema_probas.pptx
+++ b/illustrations/schema_probas.pptx
@@ -259,7 +259,7 @@
           <a:p>
             <a:fld id="{859FB00F-E207-4101-9940-B9E817E1FCE4}" type="datetimeFigureOut">
               <a:rPr lang="fr-FR" smtClean="0"/>
-              <a:t>07/05/2024</a:t>
+              <a:t>21/01/2025</a:t>
             </a:fld>
             <a:endParaRPr lang="fr-FR"/>
           </a:p>
@@ -457,7 +457,7 @@
           <a:p>
             <a:fld id="{859FB00F-E207-4101-9940-B9E817E1FCE4}" type="datetimeFigureOut">
               <a:rPr lang="fr-FR" smtClean="0"/>
-              <a:t>07/05/2024</a:t>
+              <a:t>21/01/2025</a:t>
             </a:fld>
             <a:endParaRPr lang="fr-FR"/>
           </a:p>
@@ -665,7 +665,7 @@
           <a:p>
             <a:fld id="{859FB00F-E207-4101-9940-B9E817E1FCE4}" type="datetimeFigureOut">
               <a:rPr lang="fr-FR" smtClean="0"/>
-              <a:t>07/05/2024</a:t>
+              <a:t>21/01/2025</a:t>
             </a:fld>
             <a:endParaRPr lang="fr-FR"/>
           </a:p>
@@ -863,7 +863,7 @@
           <a:p>
             <a:fld id="{859FB00F-E207-4101-9940-B9E817E1FCE4}" type="datetimeFigureOut">
               <a:rPr lang="fr-FR" smtClean="0"/>
-              <a:t>07/05/2024</a:t>
+              <a:t>21/01/2025</a:t>
             </a:fld>
             <a:endParaRPr lang="fr-FR"/>
           </a:p>
@@ -1138,7 +1138,7 @@
           <a:p>
             <a:fld id="{859FB00F-E207-4101-9940-B9E817E1FCE4}" type="datetimeFigureOut">
               <a:rPr lang="fr-FR" smtClean="0"/>
-              <a:t>07/05/2024</a:t>
+              <a:t>21/01/2025</a:t>
             </a:fld>
             <a:endParaRPr lang="fr-FR"/>
           </a:p>
@@ -1403,7 +1403,7 @@
           <a:p>
             <a:fld id="{859FB00F-E207-4101-9940-B9E817E1FCE4}" type="datetimeFigureOut">
               <a:rPr lang="fr-FR" smtClean="0"/>
-              <a:t>07/05/2024</a:t>
+              <a:t>21/01/2025</a:t>
             </a:fld>
             <a:endParaRPr lang="fr-FR"/>
           </a:p>
@@ -1815,7 +1815,7 @@
           <a:p>
             <a:fld id="{859FB00F-E207-4101-9940-B9E817E1FCE4}" type="datetimeFigureOut">
               <a:rPr lang="fr-FR" smtClean="0"/>
-              <a:t>07/05/2024</a:t>
+              <a:t>21/01/2025</a:t>
             </a:fld>
             <a:endParaRPr lang="fr-FR"/>
           </a:p>
@@ -1956,7 +1956,7 @@
           <a:p>
             <a:fld id="{859FB00F-E207-4101-9940-B9E817E1FCE4}" type="datetimeFigureOut">
               <a:rPr lang="fr-FR" smtClean="0"/>
-              <a:t>07/05/2024</a:t>
+              <a:t>21/01/2025</a:t>
             </a:fld>
             <a:endParaRPr lang="fr-FR"/>
           </a:p>
@@ -2069,7 +2069,7 @@
           <a:p>
             <a:fld id="{859FB00F-E207-4101-9940-B9E817E1FCE4}" type="datetimeFigureOut">
               <a:rPr lang="fr-FR" smtClean="0"/>
-              <a:t>07/05/2024</a:t>
+              <a:t>21/01/2025</a:t>
             </a:fld>
             <a:endParaRPr lang="fr-FR"/>
           </a:p>
@@ -2380,7 +2380,7 @@
           <a:p>
             <a:fld id="{859FB00F-E207-4101-9940-B9E817E1FCE4}" type="datetimeFigureOut">
               <a:rPr lang="fr-FR" smtClean="0"/>
-              <a:t>07/05/2024</a:t>
+              <a:t>21/01/2025</a:t>
             </a:fld>
             <a:endParaRPr lang="fr-FR"/>
           </a:p>
@@ -2671,7 +2671,7 @@
           <a:p>
             <a:fld id="{859FB00F-E207-4101-9940-B9E817E1FCE4}" type="datetimeFigureOut">
               <a:rPr lang="fr-FR" smtClean="0"/>
-              <a:t>07/05/2024</a:t>
+              <a:t>21/01/2025</a:t>
             </a:fld>
             <a:endParaRPr lang="fr-FR"/>
           </a:p>
@@ -2912,7 +2912,7 @@
           <a:p>
             <a:fld id="{859FB00F-E207-4101-9940-B9E817E1FCE4}" type="datetimeFigureOut">
               <a:rPr lang="fr-FR" smtClean="0"/>
-              <a:t>07/05/2024</a:t>
+              <a:t>21/01/2025</a:t>
             </a:fld>
             <a:endParaRPr lang="fr-FR"/>
           </a:p>
@@ -3331,6 +3331,58 @@
       </p:grpSpPr>
       <p:sp>
         <p:nvSpPr>
+          <p:cNvPr id="2" name="Rectangle 1">
+            <a:extLst>
+              <a:ext uri="{FF2B5EF4-FFF2-40B4-BE49-F238E27FC236}">
+                <a16:creationId xmlns:a16="http://schemas.microsoft.com/office/drawing/2014/main" id="{76576F88-047B-4B31-89BA-FCA63996C021}"/>
+              </a:ext>
+            </a:extLst>
+          </p:cNvPr>
+          <p:cNvSpPr/>
+          <p:nvPr/>
+        </p:nvSpPr>
+        <p:spPr>
+          <a:xfrm>
+            <a:off x="-111318" y="-14606"/>
+            <a:ext cx="8614243" cy="6144671"/>
+          </a:xfrm>
+          <a:prstGeom prst="rect">
+            <a:avLst/>
+          </a:prstGeom>
+          <a:solidFill>
+            <a:schemeClr val="bg1"/>
+          </a:solidFill>
+          <a:ln>
+            <a:noFill/>
+          </a:ln>
+        </p:spPr>
+        <p:style>
+          <a:lnRef idx="2">
+            <a:schemeClr val="accent1">
+              <a:shade val="50000"/>
+            </a:schemeClr>
+          </a:lnRef>
+          <a:fillRef idx="1">
+            <a:schemeClr val="accent1"/>
+          </a:fillRef>
+          <a:effectRef idx="0">
+            <a:schemeClr val="accent1"/>
+          </a:effectRef>
+          <a:fontRef idx="minor">
+            <a:schemeClr val="lt1"/>
+          </a:fontRef>
+        </p:style>
+        <p:txBody>
+          <a:bodyPr rtlCol="0" anchor="ctr"/>
+          <a:lstStyle/>
+          <a:p>
+            <a:pPr algn="ctr"/>
+            <a:endParaRPr lang="fr-FR"/>
+          </a:p>
+        </p:txBody>
+      </p:sp>
+      <p:sp>
+        <p:nvSpPr>
           <p:cNvPr id="4" name="ZoneTexte 3">
             <a:extLst>
               <a:ext uri="{FF2B5EF4-FFF2-40B4-BE49-F238E27FC236}">
@@ -3511,7 +3563,7 @@
             </p:nvSpPr>
             <p:spPr>
               <a:xfrm>
-                <a:off x="815292" y="5487538"/>
+                <a:off x="815292" y="5463685"/>
                 <a:ext cx="1332416" cy="653705"/>
               </a:xfrm>
               <a:prstGeom prst="rect">
@@ -3613,7 +3665,7 @@
             </p:nvSpPr>
             <p:spPr>
               <a:xfrm>
-                <a:off x="815292" y="5487538"/>
+                <a:off x="815292" y="5463685"/>
                 <a:ext cx="1332416" cy="653705"/>
               </a:xfrm>
               <a:prstGeom prst="rect">
@@ -3622,7 +3674,7 @@
               <a:blipFill>
                 <a:blip r:embed="rId2"/>
                 <a:stretch>
-                  <a:fillRect l="-4128" t="-4673" b="-5607"/>
+                  <a:fillRect l="-4128" t="-4630" b="-4630"/>
                 </a:stretch>
               </a:blipFill>
             </p:spPr>
@@ -3904,8 +3956,8 @@
           </a:p>
         </p:txBody>
       </p:sp>
-      <mc:AlternateContent xmlns:mc="http://schemas.openxmlformats.org/markup-compatibility/2006">
-        <mc:Choice xmlns:a14="http://schemas.microsoft.com/office/drawing/2010/main" Requires="a14">
+      <mc:AlternateContent xmlns:mc="http://schemas.openxmlformats.org/markup-compatibility/2006" xmlns:a14="http://schemas.microsoft.com/office/drawing/2010/main">
+        <mc:Choice Requires="a14">
           <p:sp>
             <p:nvSpPr>
               <p:cNvPr id="15" name="ZoneTexte 14">
@@ -4011,7 +4063,7 @@
             </p:txBody>
           </p:sp>
         </mc:Choice>
-        <mc:Fallback>
+        <mc:Fallback xmlns="">
           <p:sp>
             <p:nvSpPr>
               <p:cNvPr id="15" name="ZoneTexte 14">
@@ -4056,8 +4108,8 @@
           </p:sp>
         </mc:Fallback>
       </mc:AlternateContent>
-      <mc:AlternateContent xmlns:mc="http://schemas.openxmlformats.org/markup-compatibility/2006">
-        <mc:Choice xmlns:a14="http://schemas.microsoft.com/office/drawing/2010/main" Requires="a14">
+      <mc:AlternateContent xmlns:mc="http://schemas.openxmlformats.org/markup-compatibility/2006" xmlns:a14="http://schemas.microsoft.com/office/drawing/2010/main">
+        <mc:Choice Requires="a14">
           <p:sp>
             <p:nvSpPr>
               <p:cNvPr id="16" name="ZoneTexte 15">
@@ -4107,7 +4159,7 @@
             </p:txBody>
           </p:sp>
         </mc:Choice>
-        <mc:Fallback>
+        <mc:Fallback xmlns="">
           <p:sp>
             <p:nvSpPr>
               <p:cNvPr id="16" name="ZoneTexte 15">
@@ -4152,8 +4204,8 @@
           </p:sp>
         </mc:Fallback>
       </mc:AlternateContent>
-      <mc:AlternateContent xmlns:mc="http://schemas.openxmlformats.org/markup-compatibility/2006">
-        <mc:Choice xmlns:a14="http://schemas.microsoft.com/office/drawing/2010/main" Requires="a14">
+      <mc:AlternateContent xmlns:mc="http://schemas.openxmlformats.org/markup-compatibility/2006" xmlns:a14="http://schemas.microsoft.com/office/drawing/2010/main">
+        <mc:Choice Requires="a14">
           <p:sp>
             <p:nvSpPr>
               <p:cNvPr id="17" name="ZoneTexte 16">
@@ -4259,7 +4311,7 @@
             </p:txBody>
           </p:sp>
         </mc:Choice>
-        <mc:Fallback>
+        <mc:Fallback xmlns="">
           <p:sp>
             <p:nvSpPr>
               <p:cNvPr id="17" name="ZoneTexte 16">
@@ -4351,8 +4403,8 @@
           </a:fontRef>
         </p:style>
       </p:cxnSp>
-      <mc:AlternateContent xmlns:mc="http://schemas.openxmlformats.org/markup-compatibility/2006">
-        <mc:Choice xmlns:a14="http://schemas.microsoft.com/office/drawing/2010/main" Requires="a14">
+      <mc:AlternateContent xmlns:mc="http://schemas.openxmlformats.org/markup-compatibility/2006" xmlns:a14="http://schemas.microsoft.com/office/drawing/2010/main">
+        <mc:Choice Requires="a14">
           <p:sp>
             <p:nvSpPr>
               <p:cNvPr id="19" name="ZoneTexte 18">
@@ -4409,7 +4461,7 @@
             </p:txBody>
           </p:sp>
         </mc:Choice>
-        <mc:Fallback>
+        <mc:Fallback xmlns="">
           <p:sp>
             <p:nvSpPr>
               <p:cNvPr id="19" name="ZoneTexte 18">
@@ -4495,8 +4547,8 @@
           </a:fontRef>
         </p:style>
       </p:cxnSp>
-      <mc:AlternateContent xmlns:mc="http://schemas.openxmlformats.org/markup-compatibility/2006">
-        <mc:Choice xmlns:a14="http://schemas.microsoft.com/office/drawing/2010/main" Requires="a14">
+      <mc:AlternateContent xmlns:mc="http://schemas.openxmlformats.org/markup-compatibility/2006" xmlns:a14="http://schemas.microsoft.com/office/drawing/2010/main">
+        <mc:Choice Requires="a14">
           <p:sp>
             <p:nvSpPr>
               <p:cNvPr id="21" name="ZoneTexte 20">
@@ -4546,7 +4598,7 @@
             </p:txBody>
           </p:sp>
         </mc:Choice>
-        <mc:Fallback>
+        <mc:Fallback xmlns="">
           <p:sp>
             <p:nvSpPr>
               <p:cNvPr id="21" name="ZoneTexte 20">
@@ -4833,7 +4885,7 @@
             </p:nvSpPr>
             <p:spPr>
               <a:xfrm>
-                <a:off x="4086835" y="5486273"/>
+                <a:off x="4086835" y="5462420"/>
                 <a:ext cx="1320298" cy="657103"/>
               </a:xfrm>
               <a:prstGeom prst="rect">
@@ -4936,7 +4988,7 @@
             </p:nvSpPr>
             <p:spPr>
               <a:xfrm>
-                <a:off x="4086835" y="5486273"/>
+                <a:off x="4086835" y="5462420"/>
                 <a:ext cx="1320298" cy="657103"/>
               </a:xfrm>
               <a:prstGeom prst="rect">
@@ -4945,7 +4997,7 @@
               <a:blipFill>
                 <a:blip r:embed="rId8"/>
                 <a:stretch>
-                  <a:fillRect l="-3687" t="-5556" b="-3704"/>
+                  <a:fillRect l="-3687" t="-4630" b="-4630"/>
                 </a:stretch>
               </a:blipFill>
             </p:spPr>
@@ -5227,8 +5279,8 @@
           </a:p>
         </p:txBody>
       </p:sp>
-      <mc:AlternateContent xmlns:mc="http://schemas.openxmlformats.org/markup-compatibility/2006">
-        <mc:Choice xmlns:a14="http://schemas.microsoft.com/office/drawing/2010/main" Requires="a14">
+      <mc:AlternateContent xmlns:mc="http://schemas.openxmlformats.org/markup-compatibility/2006" xmlns:a14="http://schemas.microsoft.com/office/drawing/2010/main">
+        <mc:Choice Requires="a14">
           <p:sp>
             <p:nvSpPr>
               <p:cNvPr id="34" name="ZoneTexte 33">
@@ -5334,7 +5386,7 @@
             </p:txBody>
           </p:sp>
         </mc:Choice>
-        <mc:Fallback>
+        <mc:Fallback xmlns="">
           <p:sp>
             <p:nvSpPr>
               <p:cNvPr id="34" name="ZoneTexte 33">
@@ -5921,8 +5973,8 @@
           </a:p>
         </p:txBody>
       </p:sp>
-      <mc:AlternateContent xmlns:mc="http://schemas.openxmlformats.org/markup-compatibility/2006">
-        <mc:Choice xmlns:a14="http://schemas.microsoft.com/office/drawing/2010/main" Requires="a14">
+      <mc:AlternateContent xmlns:mc="http://schemas.openxmlformats.org/markup-compatibility/2006" xmlns:a14="http://schemas.microsoft.com/office/drawing/2010/main">
+        <mc:Choice Requires="a14">
           <p:sp>
             <p:nvSpPr>
               <p:cNvPr id="47" name="ZoneTexte 46">
@@ -6034,7 +6086,7 @@
             </p:txBody>
           </p:sp>
         </mc:Choice>
-        <mc:Fallback>
+        <mc:Fallback xmlns="">
           <p:sp>
             <p:nvSpPr>
               <p:cNvPr id="47" name="ZoneTexte 46">
@@ -6214,8 +6266,8 @@
           </a:fontRef>
         </p:style>
       </p:cxnSp>
-      <mc:AlternateContent xmlns:mc="http://schemas.openxmlformats.org/markup-compatibility/2006">
-        <mc:Choice xmlns:a14="http://schemas.microsoft.com/office/drawing/2010/main" Requires="a14">
+      <mc:AlternateContent xmlns:mc="http://schemas.openxmlformats.org/markup-compatibility/2006" xmlns:a14="http://schemas.microsoft.com/office/drawing/2010/main">
+        <mc:Choice Requires="a14">
           <p:sp>
             <p:nvSpPr>
               <p:cNvPr id="52" name="ZoneTexte 51">
@@ -6321,7 +6373,7 @@
             </p:txBody>
           </p:sp>
         </mc:Choice>
-        <mc:Fallback>
+        <mc:Fallback xmlns="">
           <p:sp>
             <p:nvSpPr>
               <p:cNvPr id="52" name="ZoneTexte 51">
@@ -6395,15 +6447,15 @@
           <a:lstStyle/>
           <a:p>
             <a:r>
-              <a:rPr lang="fr-FR" sz="1800" dirty="0"/>
+              <a:rPr lang="fr-FR" sz="1800" i="1" dirty="0"/>
               <a:t>(f)        (g)                            (h)            </a:t>
             </a:r>
             <a:r>
-              <a:rPr lang="fr-FR" sz="1100" dirty="0"/>
+              <a:rPr lang="fr-FR" sz="1100" i="1" dirty="0"/>
               <a:t> </a:t>
             </a:r>
             <a:r>
-              <a:rPr lang="fr-FR" sz="1800" dirty="0"/>
+              <a:rPr lang="fr-FR" sz="1800" i="1" dirty="0"/>
               <a:t>     (i)</a:t>
             </a:r>
           </a:p>
@@ -6547,1324 +6599,66 @@
           </a:p>
         </p:txBody>
       </p:sp>
-      <p:grpSp>
-        <p:nvGrpSpPr>
-          <p:cNvPr id="89" name="Groupe 88">
-            <a:extLst>
-              <a:ext uri="{FF2B5EF4-FFF2-40B4-BE49-F238E27FC236}">
-                <a16:creationId xmlns:a16="http://schemas.microsoft.com/office/drawing/2014/main" id="{D1C754E9-FE39-4D35-8562-B52F00580495}"/>
-              </a:ext>
-            </a:extLst>
-          </p:cNvPr>
-          <p:cNvGrpSpPr/>
+      <p:sp>
+        <p:nvSpPr>
+          <p:cNvPr id="55" name="Rectangle 54">
+            <a:extLst>
+              <a:ext uri="{FF2B5EF4-FFF2-40B4-BE49-F238E27FC236}">
+                <a16:creationId xmlns:a16="http://schemas.microsoft.com/office/drawing/2014/main" id="{75B73325-7031-4989-BDD0-27BD6F309097}"/>
+              </a:ext>
+            </a:extLst>
+          </p:cNvPr>
+          <p:cNvSpPr/>
           <p:nvPr/>
-        </p:nvGrpSpPr>
-        <p:grpSpPr>
+        </p:nvSpPr>
+        <p:spPr>
           <a:xfrm>
-            <a:off x="6209805" y="1440739"/>
-            <a:ext cx="2320953" cy="2739211"/>
-            <a:chOff x="6181697" y="260432"/>
-            <a:chExt cx="2320953" cy="2739211"/>
-          </a:xfrm>
-        </p:grpSpPr>
-        <p:grpSp>
-          <p:nvGrpSpPr>
-            <p:cNvPr id="87" name="Groupe 86">
-              <a:extLst>
-                <a:ext uri="{FF2B5EF4-FFF2-40B4-BE49-F238E27FC236}">
-                  <a16:creationId xmlns:a16="http://schemas.microsoft.com/office/drawing/2014/main" id="{B1FE2561-46C8-4E0C-B197-F1C6C8C3DCEE}"/>
-                </a:ext>
-              </a:extLst>
-            </p:cNvPr>
-            <p:cNvGrpSpPr/>
-            <p:nvPr/>
-          </p:nvGrpSpPr>
-          <p:grpSpPr>
-            <a:xfrm>
-              <a:off x="6181697" y="260432"/>
-              <a:ext cx="2320953" cy="2739211"/>
-              <a:chOff x="6181697" y="260432"/>
-              <a:chExt cx="2320953" cy="2739211"/>
-            </a:xfrm>
-          </p:grpSpPr>
-          <p:grpSp>
-            <p:nvGrpSpPr>
-              <p:cNvPr id="54" name="Groupe 53">
-                <a:extLst>
-                  <a:ext uri="{FF2B5EF4-FFF2-40B4-BE49-F238E27FC236}">
-                    <a16:creationId xmlns:a16="http://schemas.microsoft.com/office/drawing/2014/main" id="{24FDC99E-3445-4E4C-97B4-68ADA6690ED5}"/>
-                  </a:ext>
-                </a:extLst>
-              </p:cNvPr>
-              <p:cNvGrpSpPr/>
-              <p:nvPr/>
-            </p:nvGrpSpPr>
-            <p:grpSpPr>
-              <a:xfrm>
-                <a:off x="6181697" y="260432"/>
-                <a:ext cx="2320953" cy="2739211"/>
-                <a:chOff x="1903015" y="6665889"/>
-                <a:chExt cx="2320953" cy="2739211"/>
-              </a:xfrm>
-            </p:grpSpPr>
-            <p:sp>
-              <p:nvSpPr>
-                <p:cNvPr id="55" name="Rectangle 54">
-                  <a:extLst>
-                    <a:ext uri="{FF2B5EF4-FFF2-40B4-BE49-F238E27FC236}">
-                      <a16:creationId xmlns:a16="http://schemas.microsoft.com/office/drawing/2014/main" id="{75B73325-7031-4989-BDD0-27BD6F309097}"/>
-                    </a:ext>
-                  </a:extLst>
-                </p:cNvPr>
-                <p:cNvSpPr/>
-                <p:nvPr/>
-              </p:nvSpPr>
-              <p:spPr>
-                <a:xfrm>
-                  <a:off x="1903015" y="6684613"/>
-                  <a:ext cx="2252133" cy="2521111"/>
-                </a:xfrm>
-                <a:prstGeom prst="rect">
-                  <a:avLst/>
-                </a:prstGeom>
-                <a:solidFill>
-                  <a:schemeClr val="bg1"/>
-                </a:solidFill>
-                <a:ln>
-                  <a:solidFill>
-                    <a:schemeClr val="tx1"/>
-                  </a:solidFill>
-                </a:ln>
-              </p:spPr>
-              <p:style>
-                <a:lnRef idx="2">
-                  <a:schemeClr val="accent1">
-                    <a:shade val="50000"/>
-                  </a:schemeClr>
-                </a:lnRef>
-                <a:fillRef idx="1">
-                  <a:schemeClr val="accent1"/>
-                </a:fillRef>
-                <a:effectRef idx="0">
-                  <a:schemeClr val="accent1"/>
-                </a:effectRef>
-                <a:fontRef idx="minor">
-                  <a:schemeClr val="lt1"/>
-                </a:fontRef>
-              </p:style>
-              <p:txBody>
-                <a:bodyPr rtlCol="0" anchor="ctr"/>
-                <a:lstStyle/>
-                <a:p>
-                  <a:pPr algn="ctr"/>
-                  <a:endParaRPr lang="fr-FR"/>
-                </a:p>
-              </p:txBody>
-            </p:sp>
-            <p:cxnSp>
-              <p:nvCxnSpPr>
-                <p:cNvPr id="56" name="Connecteur droit 55">
-                  <a:extLst>
-                    <a:ext uri="{FF2B5EF4-FFF2-40B4-BE49-F238E27FC236}">
-                      <a16:creationId xmlns:a16="http://schemas.microsoft.com/office/drawing/2014/main" id="{49DE66F1-4D4F-4E69-BE61-DD0C28A14954}"/>
-                    </a:ext>
-                  </a:extLst>
-                </p:cNvPr>
-                <p:cNvCxnSpPr>
-                  <a:cxnSpLocks/>
-                </p:cNvCxnSpPr>
-                <p:nvPr/>
-              </p:nvCxnSpPr>
-              <p:spPr>
-                <a:xfrm>
-                  <a:off x="1994979" y="6965398"/>
-                  <a:ext cx="199454" cy="0"/>
-                </a:xfrm>
-                <a:prstGeom prst="line">
-                  <a:avLst/>
-                </a:prstGeom>
-                <a:ln w="12700">
-                  <a:prstDash val="sysDot"/>
-                </a:ln>
-              </p:spPr>
-              <p:style>
-                <a:lnRef idx="2">
-                  <a:schemeClr val="dk1"/>
-                </a:lnRef>
-                <a:fillRef idx="0">
-                  <a:schemeClr val="dk1"/>
-                </a:fillRef>
-                <a:effectRef idx="1">
-                  <a:schemeClr val="dk1"/>
-                </a:effectRef>
-                <a:fontRef idx="minor">
-                  <a:schemeClr val="tx1"/>
-                </a:fontRef>
-              </p:style>
-            </p:cxnSp>
-            <mc:AlternateContent xmlns:mc="http://schemas.openxmlformats.org/markup-compatibility/2006">
-              <mc:Choice xmlns:a14="http://schemas.microsoft.com/office/drawing/2010/main" Requires="a14">
-                <p:sp>
-                  <p:nvSpPr>
-                    <p:cNvPr id="57" name="ZoneTexte 56">
-                      <a:extLst>
-                        <a:ext uri="{FF2B5EF4-FFF2-40B4-BE49-F238E27FC236}">
-                          <a16:creationId xmlns:a16="http://schemas.microsoft.com/office/drawing/2014/main" id="{740C6EB0-01D1-487C-9FB1-B0626A3DEE2C}"/>
-                        </a:ext>
-                      </a:extLst>
-                    </p:cNvPr>
-                    <p:cNvSpPr txBox="1"/>
-                    <p:nvPr/>
-                  </p:nvSpPr>
-                  <p:spPr>
-                    <a:xfrm>
-                      <a:off x="2194434" y="6665889"/>
-                      <a:ext cx="2029534" cy="2739211"/>
-                    </a:xfrm>
-                    <a:prstGeom prst="rect">
-                      <a:avLst/>
-                    </a:prstGeom>
-                    <a:noFill/>
-                  </p:spPr>
-                  <p:txBody>
-                    <a:bodyPr wrap="square" numCol="1" rtlCol="0">
-                      <a:spAutoFit/>
-                    </a:bodyPr>
-                    <a:lstStyle/>
-                    <a:p>
-                      <a:r>
-                        <a:rPr lang="en-GB" sz="1050" dirty="0"/>
-                        <a:t>good lineage</a:t>
-                      </a:r>
-                    </a:p>
-                    <a:p>
-                      <a:r>
-                        <a:rPr lang="en-GB" sz="1050" dirty="0"/>
-                        <a:t>incipient lineage</a:t>
-                      </a:r>
-                    </a:p>
-                    <a:p>
-                      <a:r>
-                        <a:rPr lang="en-GB" sz="1050" dirty="0"/>
-                        <a:t>initiation from a good (</a:t>
-                      </a:r>
-                      <a14:m>
-                        <m:oMath xmlns:m="http://schemas.openxmlformats.org/officeDocument/2006/math">
-                          <m:sSub>
-                            <m:sSubPr>
-                              <m:ctrlPr>
-                                <a:rPr lang="en-GB" sz="1050" i="1">
-                                  <a:solidFill>
-                                    <a:srgbClr val="00B050"/>
-                                  </a:solidFill>
-                                  <a:latin typeface="Cambria Math" panose="02040503050406030204" pitchFamily="18" charset="0"/>
-                                </a:rPr>
-                              </m:ctrlPr>
-                            </m:sSubPr>
-                            <m:e>
-                              <m:r>
-                                <a:rPr lang="en-GB" sz="1050" i="1">
-                                  <a:solidFill>
-                                    <a:srgbClr val="00B050"/>
-                                  </a:solidFill>
-                                  <a:latin typeface="Cambria Math" panose="02040503050406030204" pitchFamily="18" charset="0"/>
-                                </a:rPr>
-                                <m:t>𝜆</m:t>
-                              </m:r>
-                            </m:e>
-                            <m:sub>
-                              <m:r>
-                                <a:rPr lang="en-GB" sz="1050" i="1">
-                                  <a:solidFill>
-                                    <a:srgbClr val="00B050"/>
-                                  </a:solidFill>
-                                  <a:latin typeface="Cambria Math" panose="02040503050406030204" pitchFamily="18" charset="0"/>
-                                </a:rPr>
-                                <m:t>1</m:t>
-                              </m:r>
-                            </m:sub>
-                          </m:sSub>
-                        </m:oMath>
-                      </a14:m>
-                      <a:r>
-                        <a:rPr lang="en-GB" sz="1050" dirty="0"/>
-                        <a:t>)</a:t>
-                      </a:r>
-                    </a:p>
-                    <a:p>
-                      <a:r>
-                        <a:rPr lang="en-GB" sz="1050" dirty="0"/>
-                        <a:t>completion of an incipient (</a:t>
-                      </a:r>
-                      <a14:m>
-                        <m:oMath xmlns:m="http://schemas.openxmlformats.org/officeDocument/2006/math">
-                          <m:sSub>
-                            <m:sSubPr>
-                              <m:ctrlPr>
-                                <a:rPr lang="en-GB" sz="1050" i="1">
-                                  <a:solidFill>
-                                    <a:srgbClr val="0070C0"/>
-                                  </a:solidFill>
-                                  <a:latin typeface="Cambria Math" panose="02040503050406030204" pitchFamily="18" charset="0"/>
-                                </a:rPr>
-                              </m:ctrlPr>
-                            </m:sSubPr>
-                            <m:e>
-                              <m:r>
-                                <a:rPr lang="en-GB" sz="1050" i="1">
-                                  <a:solidFill>
-                                    <a:srgbClr val="0070C0"/>
-                                  </a:solidFill>
-                                  <a:latin typeface="Cambria Math" panose="02040503050406030204" pitchFamily="18" charset="0"/>
-                                </a:rPr>
-                                <m:t>𝜆</m:t>
-                              </m:r>
-                            </m:e>
-                            <m:sub>
-                              <m:r>
-                                <a:rPr lang="en-GB" sz="1050" i="1">
-                                  <a:solidFill>
-                                    <a:srgbClr val="0070C0"/>
-                                  </a:solidFill>
-                                  <a:latin typeface="Cambria Math" panose="02040503050406030204" pitchFamily="18" charset="0"/>
-                                </a:rPr>
-                                <m:t>2</m:t>
-                              </m:r>
-                            </m:sub>
-                          </m:sSub>
-                        </m:oMath>
-                      </a14:m>
-                      <a:r>
-                        <a:rPr lang="en-GB" sz="1050" dirty="0"/>
-                        <a:t>)</a:t>
-                      </a:r>
-                    </a:p>
-                    <a:p>
-                      <a:r>
-                        <a:rPr lang="en-GB" sz="1050" dirty="0"/>
-                        <a:t>initiation from an incipient (</a:t>
-                      </a:r>
-                      <a14:m>
-                        <m:oMath xmlns:m="http://schemas.openxmlformats.org/officeDocument/2006/math">
-                          <m:sSub>
-                            <m:sSubPr>
-                              <m:ctrlPr>
-                                <a:rPr lang="en-GB" sz="1050" i="1">
-                                  <a:solidFill>
-                                    <a:srgbClr val="0070C0"/>
-                                  </a:solidFill>
-                                  <a:latin typeface="Cambria Math" panose="02040503050406030204" pitchFamily="18" charset="0"/>
-                                </a:rPr>
-                              </m:ctrlPr>
-                            </m:sSubPr>
-                            <m:e>
-                              <m:r>
-                                <a:rPr lang="en-GB" sz="1050" i="1">
-                                  <a:solidFill>
-                                    <a:srgbClr val="0070C0"/>
-                                  </a:solidFill>
-                                  <a:latin typeface="Cambria Math" panose="02040503050406030204" pitchFamily="18" charset="0"/>
-                                </a:rPr>
-                                <m:t>𝜆</m:t>
-                              </m:r>
-                            </m:e>
-                            <m:sub>
-                              <m:r>
-                                <a:rPr lang="en-GB" sz="1050" i="1">
-                                  <a:solidFill>
-                                    <a:srgbClr val="0070C0"/>
-                                  </a:solidFill>
-                                  <a:latin typeface="Cambria Math" panose="02040503050406030204" pitchFamily="18" charset="0"/>
-                                </a:rPr>
-                                <m:t>3</m:t>
-                              </m:r>
-                            </m:sub>
-                          </m:sSub>
-                        </m:oMath>
-                      </a14:m>
-                      <a:r>
-                        <a:rPr lang="en-GB" sz="1050" dirty="0"/>
-                        <a:t>)</a:t>
-                      </a:r>
-                    </a:p>
-                    <a:p>
-                      <a:r>
-                        <a:rPr lang="en-GB" sz="1050" dirty="0"/>
-                        <a:t>extinction of a good (</a:t>
-                      </a:r>
-                      <a14:m>
-                        <m:oMath xmlns:m="http://schemas.openxmlformats.org/officeDocument/2006/math">
-                          <m:sSub>
-                            <m:sSubPr>
-                              <m:ctrlPr>
-                                <a:rPr lang="en-GB" sz="1050" i="1">
-                                  <a:solidFill>
-                                    <a:srgbClr val="00B050"/>
-                                  </a:solidFill>
-                                  <a:latin typeface="Cambria Math" panose="02040503050406030204" pitchFamily="18" charset="0"/>
-                                </a:rPr>
-                              </m:ctrlPr>
-                            </m:sSubPr>
-                            <m:e>
-                              <m:r>
-                                <a:rPr lang="en-GB" sz="1050" i="1">
-                                  <a:solidFill>
-                                    <a:srgbClr val="00B050"/>
-                                  </a:solidFill>
-                                  <a:latin typeface="Cambria Math" panose="02040503050406030204" pitchFamily="18" charset="0"/>
-                                </a:rPr>
-                                <m:t>𝜇</m:t>
-                              </m:r>
-                            </m:e>
-                            <m:sub>
-                              <m:r>
-                                <a:rPr lang="en-GB" sz="1050" i="1">
-                                  <a:solidFill>
-                                    <a:srgbClr val="00B050"/>
-                                  </a:solidFill>
-                                  <a:latin typeface="Cambria Math" panose="02040503050406030204" pitchFamily="18" charset="0"/>
-                                </a:rPr>
-                                <m:t>1</m:t>
-                              </m:r>
-                            </m:sub>
-                          </m:sSub>
-                        </m:oMath>
-                      </a14:m>
-                      <a:r>
-                        <a:rPr lang="en-GB" sz="1050" dirty="0"/>
-                        <a:t>)</a:t>
-                      </a:r>
-                    </a:p>
-                    <a:p>
-                      <a:r>
-                        <a:rPr lang="en-GB" sz="1050" dirty="0"/>
-                        <a:t>extinction of an incipient (</a:t>
-                      </a:r>
-                      <a14:m>
-                        <m:oMath xmlns:m="http://schemas.openxmlformats.org/officeDocument/2006/math">
-                          <m:sSub>
-                            <m:sSubPr>
-                              <m:ctrlPr>
-                                <a:rPr lang="en-GB" sz="1050" i="1">
-                                  <a:solidFill>
-                                    <a:srgbClr val="0070C0"/>
-                                  </a:solidFill>
-                                  <a:latin typeface="Cambria Math" panose="02040503050406030204" pitchFamily="18" charset="0"/>
-                                </a:rPr>
-                              </m:ctrlPr>
-                            </m:sSubPr>
-                            <m:e>
-                              <m:r>
-                                <a:rPr lang="en-GB" sz="1050" i="1">
-                                  <a:solidFill>
-                                    <a:srgbClr val="0070C0"/>
-                                  </a:solidFill>
-                                  <a:latin typeface="Cambria Math" panose="02040503050406030204" pitchFamily="18" charset="0"/>
-                                </a:rPr>
-                                <m:t>𝜇</m:t>
-                              </m:r>
-                            </m:e>
-                            <m:sub>
-                              <m:r>
-                                <a:rPr lang="en-GB" sz="1050" i="1">
-                                  <a:solidFill>
-                                    <a:srgbClr val="0070C0"/>
-                                  </a:solidFill>
-                                  <a:latin typeface="Cambria Math" panose="02040503050406030204" pitchFamily="18" charset="0"/>
-                                </a:rPr>
-                                <m:t>2</m:t>
-                              </m:r>
-                            </m:sub>
-                          </m:sSub>
-                        </m:oMath>
-                      </a14:m>
-                      <a:r>
-                        <a:rPr lang="en-GB" sz="1050" dirty="0"/>
-                        <a:t>)</a:t>
-                      </a:r>
-                    </a:p>
-                    <a:p>
-                      <a:endParaRPr lang="en-GB" sz="400" dirty="0"/>
-                    </a:p>
-                    <a:p>
-                      <a:r>
-                        <a:rPr lang="en-GB" sz="1050" dirty="0"/>
-                        <a:t>descendants of an incipient </a:t>
-                      </a:r>
-                    </a:p>
-                    <a:p>
-                      <a:endParaRPr lang="en-GB" sz="1050" dirty="0"/>
-                    </a:p>
-                    <a:p>
-                      <a:r>
-                        <a:rPr lang="en-GB" sz="1050" dirty="0"/>
-                        <a:t>descendants of a good</a:t>
-                      </a:r>
-                    </a:p>
-                    <a:p>
-                      <a:endParaRPr lang="en-GB" sz="1050" dirty="0"/>
-                    </a:p>
-                    <a:p>
-                      <a:r>
-                        <a:rPr lang="en-GB" sz="1050" dirty="0"/>
-                        <a:t>extinction of all descendants </a:t>
-                      </a:r>
-                    </a:p>
-                    <a:p>
-                      <a:endParaRPr lang="en-GB" sz="1050" dirty="0"/>
-                    </a:p>
-                    <a:p>
-                      <a:r>
-                        <a:rPr lang="en-GB" sz="1050" dirty="0"/>
-                        <a:t>at least one descendant completes</a:t>
-                      </a:r>
-                    </a:p>
-                    <a:p>
-                      <a:endParaRPr lang="en-GB" sz="1050" dirty="0"/>
-                    </a:p>
-                  </p:txBody>
-                </p:sp>
-              </mc:Choice>
-              <mc:Fallback>
-                <p:sp>
-                  <p:nvSpPr>
-                    <p:cNvPr id="57" name="ZoneTexte 56">
-                      <a:extLst>
-                        <a:ext uri="{FF2B5EF4-FFF2-40B4-BE49-F238E27FC236}">
-                          <a16:creationId xmlns:a16="http://schemas.microsoft.com/office/drawing/2014/main" id="{740C6EB0-01D1-487C-9FB1-B0626A3DEE2C}"/>
-                        </a:ext>
-                      </a:extLst>
-                    </p:cNvPr>
-                    <p:cNvSpPr txBox="1">
-                      <a:spLocks noRot="1" noChangeAspect="1" noMove="1" noResize="1" noEditPoints="1" noAdjustHandles="1" noChangeArrowheads="1" noChangeShapeType="1" noTextEdit="1"/>
-                    </p:cNvSpPr>
-                    <p:nvPr/>
-                  </p:nvSpPr>
-                  <p:spPr>
-                    <a:xfrm>
-                      <a:off x="2194434" y="6665889"/>
-                      <a:ext cx="2029534" cy="2739211"/>
-                    </a:xfrm>
-                    <a:prstGeom prst="rect">
-                      <a:avLst/>
-                    </a:prstGeom>
-                    <a:blipFill>
-                      <a:blip r:embed="rId12"/>
-                      <a:stretch>
-                        <a:fillRect/>
-                      </a:stretch>
-                    </a:blipFill>
-                  </p:spPr>
-                  <p:txBody>
-                    <a:bodyPr/>
-                    <a:lstStyle/>
-                    <a:p>
-                      <a:r>
-                        <a:rPr lang="fr-FR">
-                          <a:noFill/>
-                        </a:rPr>
-                        <a:t> </a:t>
-                      </a:r>
-                    </a:p>
-                  </p:txBody>
-                </p:sp>
-              </mc:Fallback>
-            </mc:AlternateContent>
-            <p:cxnSp>
-              <p:nvCxnSpPr>
-                <p:cNvPr id="58" name="Connecteur droit 57">
-                  <a:extLst>
-                    <a:ext uri="{FF2B5EF4-FFF2-40B4-BE49-F238E27FC236}">
-                      <a16:creationId xmlns:a16="http://schemas.microsoft.com/office/drawing/2014/main" id="{55573874-4EF3-4BD3-A697-D107F9421E28}"/>
-                    </a:ext>
-                  </a:extLst>
-                </p:cNvPr>
-                <p:cNvCxnSpPr>
-                  <a:cxnSpLocks/>
-                </p:cNvCxnSpPr>
-                <p:nvPr/>
-              </p:nvCxnSpPr>
-              <p:spPr>
-                <a:xfrm>
-                  <a:off x="1994979" y="6811093"/>
-                  <a:ext cx="199454" cy="0"/>
-                </a:xfrm>
-                <a:prstGeom prst="line">
-                  <a:avLst/>
-                </a:prstGeom>
-                <a:ln w="12700"/>
-              </p:spPr>
-              <p:style>
-                <a:lnRef idx="2">
-                  <a:schemeClr val="dk1"/>
-                </a:lnRef>
-                <a:fillRef idx="0">
-                  <a:schemeClr val="dk1"/>
-                </a:fillRef>
-                <a:effectRef idx="1">
-                  <a:schemeClr val="dk1"/>
-                </a:effectRef>
-                <a:fontRef idx="minor">
-                  <a:schemeClr val="tx1"/>
-                </a:fontRef>
-              </p:style>
-            </p:cxnSp>
-            <p:sp>
-              <p:nvSpPr>
-                <p:cNvPr id="59" name="Rectangle 58">
-                  <a:extLst>
-                    <a:ext uri="{FF2B5EF4-FFF2-40B4-BE49-F238E27FC236}">
-                      <a16:creationId xmlns:a16="http://schemas.microsoft.com/office/drawing/2014/main" id="{A48C7DF5-610C-4DD3-A7F0-1B088083D733}"/>
-                    </a:ext>
-                  </a:extLst>
-                </p:cNvPr>
-                <p:cNvSpPr/>
-                <p:nvPr/>
-              </p:nvSpPr>
-              <p:spPr>
-                <a:xfrm>
-                  <a:off x="2058706" y="7089102"/>
-                  <a:ext cx="72000" cy="72000"/>
-                </a:xfrm>
-                <a:prstGeom prst="rect">
-                  <a:avLst/>
-                </a:prstGeom>
-                <a:solidFill>
-                  <a:srgbClr val="00B050"/>
-                </a:solidFill>
-                <a:ln>
-                  <a:solidFill>
-                    <a:srgbClr val="00B050"/>
-                  </a:solidFill>
-                </a:ln>
-              </p:spPr>
-              <p:style>
-                <a:lnRef idx="2">
-                  <a:schemeClr val="accent1">
-                    <a:shade val="50000"/>
-                  </a:schemeClr>
-                </a:lnRef>
-                <a:fillRef idx="1">
-                  <a:schemeClr val="accent1"/>
-                </a:fillRef>
-                <a:effectRef idx="0">
-                  <a:schemeClr val="accent1"/>
-                </a:effectRef>
-                <a:fontRef idx="minor">
-                  <a:schemeClr val="lt1"/>
-                </a:fontRef>
-              </p:style>
-              <p:txBody>
-                <a:bodyPr rtlCol="0" anchor="ctr"/>
-                <a:lstStyle/>
-                <a:p>
-                  <a:pPr algn="ctr"/>
-                  <a:endParaRPr lang="fr-FR"/>
-                </a:p>
-              </p:txBody>
-            </p:sp>
-            <p:sp>
-              <p:nvSpPr>
-                <p:cNvPr id="60" name="Ellipse 59">
-                  <a:extLst>
-                    <a:ext uri="{FF2B5EF4-FFF2-40B4-BE49-F238E27FC236}">
-                      <a16:creationId xmlns:a16="http://schemas.microsoft.com/office/drawing/2014/main" id="{4D8948D8-B892-4E42-9461-3AC0CAF21C45}"/>
-                    </a:ext>
-                  </a:extLst>
-                </p:cNvPr>
-                <p:cNvSpPr/>
-                <p:nvPr/>
-              </p:nvSpPr>
-              <p:spPr>
-                <a:xfrm>
-                  <a:off x="2058763" y="7249140"/>
-                  <a:ext cx="72984" cy="72984"/>
-                </a:xfrm>
-                <a:prstGeom prst="ellipse">
-                  <a:avLst/>
-                </a:prstGeom>
-                <a:solidFill>
-                  <a:srgbClr val="0070C0"/>
-                </a:solidFill>
-                <a:ln>
-                  <a:solidFill>
-                    <a:srgbClr val="0070C0"/>
-                  </a:solidFill>
-                </a:ln>
-              </p:spPr>
-              <p:style>
-                <a:lnRef idx="2">
-                  <a:schemeClr val="accent1">
-                    <a:shade val="50000"/>
-                  </a:schemeClr>
-                </a:lnRef>
-                <a:fillRef idx="1">
-                  <a:schemeClr val="accent1"/>
-                </a:fillRef>
-                <a:effectRef idx="0">
-                  <a:schemeClr val="accent1"/>
-                </a:effectRef>
-                <a:fontRef idx="minor">
-                  <a:schemeClr val="lt1"/>
-                </a:fontRef>
-              </p:style>
-              <p:txBody>
-                <a:bodyPr rtlCol="0" anchor="ctr"/>
-                <a:lstStyle/>
-                <a:p>
-                  <a:pPr algn="ctr"/>
-                  <a:endParaRPr lang="fr-FR"/>
-                </a:p>
-              </p:txBody>
-            </p:sp>
-            <p:sp>
-              <p:nvSpPr>
-                <p:cNvPr id="61" name="Rectangle 60">
-                  <a:extLst>
-                    <a:ext uri="{FF2B5EF4-FFF2-40B4-BE49-F238E27FC236}">
-                      <a16:creationId xmlns:a16="http://schemas.microsoft.com/office/drawing/2014/main" id="{3A9DC5B5-D85D-4B44-9B81-0533C8A2090F}"/>
-                    </a:ext>
-                  </a:extLst>
-                </p:cNvPr>
-                <p:cNvSpPr/>
-                <p:nvPr/>
-              </p:nvSpPr>
-              <p:spPr>
-                <a:xfrm>
-                  <a:off x="2058450" y="7405925"/>
-                  <a:ext cx="72000" cy="72000"/>
-                </a:xfrm>
-                <a:prstGeom prst="rect">
-                  <a:avLst/>
-                </a:prstGeom>
-                <a:solidFill>
-                  <a:srgbClr val="0070C0"/>
-                </a:solidFill>
-                <a:ln>
-                  <a:solidFill>
-                    <a:srgbClr val="0070C0"/>
-                  </a:solidFill>
-                </a:ln>
-              </p:spPr>
-              <p:style>
-                <a:lnRef idx="2">
-                  <a:schemeClr val="accent1">
-                    <a:shade val="50000"/>
-                  </a:schemeClr>
-                </a:lnRef>
-                <a:fillRef idx="1">
-                  <a:schemeClr val="accent1"/>
-                </a:fillRef>
-                <a:effectRef idx="0">
-                  <a:schemeClr val="accent1"/>
-                </a:effectRef>
-                <a:fontRef idx="minor">
-                  <a:schemeClr val="lt1"/>
-                </a:fontRef>
-              </p:style>
-              <p:txBody>
-                <a:bodyPr rtlCol="0" anchor="ctr"/>
-                <a:lstStyle/>
-                <a:p>
-                  <a:pPr algn="ctr"/>
-                  <a:endParaRPr lang="fr-FR"/>
-                </a:p>
-              </p:txBody>
-            </p:sp>
-            <mc:AlternateContent xmlns:mc="http://schemas.openxmlformats.org/markup-compatibility/2006">
-              <mc:Choice xmlns:a14="http://schemas.microsoft.com/office/drawing/2010/main" Requires="a14">
-                <p:sp>
-                  <p:nvSpPr>
-                    <p:cNvPr id="62" name="ZoneTexte 61">
-                      <a:extLst>
-                        <a:ext uri="{FF2B5EF4-FFF2-40B4-BE49-F238E27FC236}">
-                          <a16:creationId xmlns:a16="http://schemas.microsoft.com/office/drawing/2014/main" id="{163B2EDF-2F38-4BF9-9DBD-74547DDA1F11}"/>
-                        </a:ext>
-                      </a:extLst>
-                    </p:cNvPr>
-                    <p:cNvSpPr txBox="1"/>
-                    <p:nvPr/>
-                  </p:nvSpPr>
-                  <p:spPr>
-                    <a:xfrm>
-                      <a:off x="1925182" y="7453820"/>
-                      <a:ext cx="338554" cy="276999"/>
-                    </a:xfrm>
-                    <a:prstGeom prst="rect">
-                      <a:avLst/>
-                    </a:prstGeom>
-                    <a:noFill/>
-                  </p:spPr>
-                  <p:txBody>
-                    <a:bodyPr wrap="none" rtlCol="0">
-                      <a:spAutoFit/>
-                    </a:bodyPr>
-                    <a:lstStyle/>
-                    <a:p>
-                      <a:pPr/>
-                      <a14:m>
-                        <m:oMathPara xmlns:m="http://schemas.openxmlformats.org/officeDocument/2006/math">
-                          <m:oMathParaPr>
-                            <m:jc m:val="centerGroup"/>
-                          </m:oMathParaPr>
-                          <m:oMath xmlns:m="http://schemas.openxmlformats.org/officeDocument/2006/math">
-                            <m:r>
-                              <a:rPr lang="fr-FR" sz="1200" i="1">
-                                <a:solidFill>
-                                  <a:srgbClr val="00B050"/>
-                                </a:solidFill>
-                                <a:latin typeface="Cambria Math" panose="02040503050406030204" pitchFamily="18" charset="0"/>
-                              </a:rPr>
-                              <m:t>×</m:t>
-                            </m:r>
-                          </m:oMath>
-                        </m:oMathPara>
-                      </a14:m>
-                      <a:endParaRPr lang="fr-FR" sz="1200" dirty="0">
-                        <a:solidFill>
-                          <a:srgbClr val="00B050"/>
-                        </a:solidFill>
-                      </a:endParaRPr>
-                    </a:p>
-                  </p:txBody>
-                </p:sp>
-              </mc:Choice>
-              <mc:Fallback>
-                <p:sp>
-                  <p:nvSpPr>
-                    <p:cNvPr id="62" name="ZoneTexte 61">
-                      <a:extLst>
-                        <a:ext uri="{FF2B5EF4-FFF2-40B4-BE49-F238E27FC236}">
-                          <a16:creationId xmlns:a16="http://schemas.microsoft.com/office/drawing/2014/main" id="{163B2EDF-2F38-4BF9-9DBD-74547DDA1F11}"/>
-                        </a:ext>
-                      </a:extLst>
-                    </p:cNvPr>
-                    <p:cNvSpPr txBox="1">
-                      <a:spLocks noRot="1" noChangeAspect="1" noMove="1" noResize="1" noEditPoints="1" noAdjustHandles="1" noChangeArrowheads="1" noChangeShapeType="1" noTextEdit="1"/>
-                    </p:cNvSpPr>
-                    <p:nvPr/>
-                  </p:nvSpPr>
-                  <p:spPr>
-                    <a:xfrm>
-                      <a:off x="1925182" y="7453820"/>
-                      <a:ext cx="338554" cy="276999"/>
-                    </a:xfrm>
-                    <a:prstGeom prst="rect">
-                      <a:avLst/>
-                    </a:prstGeom>
-                    <a:blipFill>
-                      <a:blip r:embed="rId13"/>
-                      <a:stretch>
-                        <a:fillRect/>
-                      </a:stretch>
-                    </a:blipFill>
-                  </p:spPr>
-                  <p:txBody>
-                    <a:bodyPr/>
-                    <a:lstStyle/>
-                    <a:p>
-                      <a:r>
-                        <a:rPr lang="fr-FR">
-                          <a:noFill/>
-                        </a:rPr>
-                        <a:t> </a:t>
-                      </a:r>
-                    </a:p>
-                  </p:txBody>
-                </p:sp>
-              </mc:Fallback>
-            </mc:AlternateContent>
-            <mc:AlternateContent xmlns:mc="http://schemas.openxmlformats.org/markup-compatibility/2006">
-              <mc:Choice xmlns:a14="http://schemas.microsoft.com/office/drawing/2010/main" Requires="a14">
-                <p:sp>
-                  <p:nvSpPr>
-                    <p:cNvPr id="63" name="ZoneTexte 62">
-                      <a:extLst>
-                        <a:ext uri="{FF2B5EF4-FFF2-40B4-BE49-F238E27FC236}">
-                          <a16:creationId xmlns:a16="http://schemas.microsoft.com/office/drawing/2014/main" id="{3BE09E50-6C98-4ABF-BFFC-68E5A984BE48}"/>
-                        </a:ext>
-                      </a:extLst>
-                    </p:cNvPr>
-                    <p:cNvSpPr txBox="1"/>
-                    <p:nvPr/>
-                  </p:nvSpPr>
-                  <p:spPr>
-                    <a:xfrm>
-                      <a:off x="1925677" y="7614164"/>
-                      <a:ext cx="338554" cy="276999"/>
-                    </a:xfrm>
-                    <a:prstGeom prst="rect">
-                      <a:avLst/>
-                    </a:prstGeom>
-                    <a:noFill/>
-                  </p:spPr>
-                  <p:txBody>
-                    <a:bodyPr wrap="none" rtlCol="0">
-                      <a:spAutoFit/>
-                    </a:bodyPr>
-                    <a:lstStyle/>
-                    <a:p>
-                      <a:pPr/>
-                      <a14:m>
-                        <m:oMathPara xmlns:m="http://schemas.openxmlformats.org/officeDocument/2006/math">
-                          <m:oMathParaPr>
-                            <m:jc m:val="centerGroup"/>
-                          </m:oMathParaPr>
-                          <m:oMath xmlns:m="http://schemas.openxmlformats.org/officeDocument/2006/math">
-                            <m:r>
-                              <a:rPr lang="fr-FR" sz="1200" i="1">
-                                <a:solidFill>
-                                  <a:srgbClr val="0070C0"/>
-                                </a:solidFill>
-                                <a:latin typeface="Cambria Math" panose="02040503050406030204" pitchFamily="18" charset="0"/>
-                              </a:rPr>
-                              <m:t>×</m:t>
-                            </m:r>
-                          </m:oMath>
-                        </m:oMathPara>
-                      </a14:m>
-                      <a:endParaRPr lang="fr-FR" sz="1200" dirty="0">
-                        <a:solidFill>
-                          <a:srgbClr val="0070C0"/>
-                        </a:solidFill>
-                      </a:endParaRPr>
-                    </a:p>
-                  </p:txBody>
-                </p:sp>
-              </mc:Choice>
-              <mc:Fallback>
-                <p:sp>
-                  <p:nvSpPr>
-                    <p:cNvPr id="63" name="ZoneTexte 62">
-                      <a:extLst>
-                        <a:ext uri="{FF2B5EF4-FFF2-40B4-BE49-F238E27FC236}">
-                          <a16:creationId xmlns:a16="http://schemas.microsoft.com/office/drawing/2014/main" id="{3BE09E50-6C98-4ABF-BFFC-68E5A984BE48}"/>
-                        </a:ext>
-                      </a:extLst>
-                    </p:cNvPr>
-                    <p:cNvSpPr txBox="1">
-                      <a:spLocks noRot="1" noChangeAspect="1" noMove="1" noResize="1" noEditPoints="1" noAdjustHandles="1" noChangeArrowheads="1" noChangeShapeType="1" noTextEdit="1"/>
-                    </p:cNvSpPr>
-                    <p:nvPr/>
-                  </p:nvSpPr>
-                  <p:spPr>
-                    <a:xfrm>
-                      <a:off x="1925677" y="7614164"/>
-                      <a:ext cx="338554" cy="276999"/>
-                    </a:xfrm>
-                    <a:prstGeom prst="rect">
-                      <a:avLst/>
-                    </a:prstGeom>
-                    <a:blipFill>
-                      <a:blip r:embed="rId14"/>
-                      <a:stretch>
-                        <a:fillRect/>
-                      </a:stretch>
-                    </a:blipFill>
-                  </p:spPr>
-                  <p:txBody>
-                    <a:bodyPr/>
-                    <a:lstStyle/>
-                    <a:p>
-                      <a:r>
-                        <a:rPr lang="fr-FR">
-                          <a:noFill/>
-                        </a:rPr>
-                        <a:t> </a:t>
-                      </a:r>
-                    </a:p>
-                  </p:txBody>
-                </p:sp>
-              </mc:Fallback>
-            </mc:AlternateContent>
-          </p:grpSp>
-          <p:cxnSp>
-            <p:nvCxnSpPr>
-              <p:cNvPr id="86" name="Connecteur droit 85">
-                <a:extLst>
-                  <a:ext uri="{FF2B5EF4-FFF2-40B4-BE49-F238E27FC236}">
-                    <a16:creationId xmlns:a16="http://schemas.microsoft.com/office/drawing/2014/main" id="{9D20686E-322D-447D-A8C3-71E158882602}"/>
-                  </a:ext>
-                </a:extLst>
-              </p:cNvPr>
-              <p:cNvCxnSpPr>
-                <a:cxnSpLocks/>
-              </p:cNvCxnSpPr>
-              <p:nvPr/>
-            </p:nvCxnSpPr>
-            <p:spPr>
-              <a:xfrm>
-                <a:off x="6356459" y="2577838"/>
-                <a:ext cx="0" cy="176792"/>
-              </a:xfrm>
-              <a:prstGeom prst="line">
-                <a:avLst/>
-              </a:prstGeom>
-              <a:ln w="12700">
-                <a:prstDash val="solid"/>
-              </a:ln>
-            </p:spPr>
-            <p:style>
-              <a:lnRef idx="2">
-                <a:schemeClr val="dk1"/>
-              </a:lnRef>
-              <a:fillRef idx="0">
-                <a:schemeClr val="dk1"/>
-              </a:fillRef>
-              <a:effectRef idx="1">
-                <a:schemeClr val="dk1"/>
-              </a:effectRef>
-              <a:fontRef idx="minor">
-                <a:schemeClr val="tx1"/>
-              </a:fontRef>
-            </p:style>
-          </p:cxnSp>
-          <p:sp>
-            <p:nvSpPr>
-              <p:cNvPr id="67" name="Triangle isocèle 66">
-                <a:extLst>
-                  <a:ext uri="{FF2B5EF4-FFF2-40B4-BE49-F238E27FC236}">
-                    <a16:creationId xmlns:a16="http://schemas.microsoft.com/office/drawing/2014/main" id="{1BAA9464-EFBE-49B7-A86E-C267A7EA09CD}"/>
-                  </a:ext>
-                </a:extLst>
-              </p:cNvPr>
-              <p:cNvSpPr/>
-              <p:nvPr/>
-            </p:nvSpPr>
-            <p:spPr>
-              <a:xfrm>
-                <a:off x="6275473" y="1503398"/>
-                <a:ext cx="198028" cy="170714"/>
-              </a:xfrm>
-              <a:prstGeom prst="triangle">
-                <a:avLst/>
-              </a:prstGeom>
-              <a:ln w="12700">
-                <a:prstDash val="sysDot"/>
-              </a:ln>
-            </p:spPr>
-            <p:style>
-              <a:lnRef idx="2">
-                <a:schemeClr val="dk1"/>
-              </a:lnRef>
-              <a:fillRef idx="0">
-                <a:schemeClr val="dk1"/>
-              </a:fillRef>
-              <a:effectRef idx="1">
-                <a:schemeClr val="dk1"/>
-              </a:effectRef>
-              <a:fontRef idx="minor">
-                <a:schemeClr val="tx1"/>
-              </a:fontRef>
-            </p:style>
-            <p:txBody>
-              <a:bodyPr rtlCol="0" anchor="ctr"/>
-              <a:lstStyle/>
-              <a:p>
-                <a:pPr algn="ctr"/>
-                <a:endParaRPr lang="fr-FR" sz="1600"/>
-              </a:p>
-            </p:txBody>
-          </p:sp>
-          <p:sp>
-            <p:nvSpPr>
-              <p:cNvPr id="68" name="Triangle isocèle 67">
-                <a:extLst>
-                  <a:ext uri="{FF2B5EF4-FFF2-40B4-BE49-F238E27FC236}">
-                    <a16:creationId xmlns:a16="http://schemas.microsoft.com/office/drawing/2014/main" id="{EDBE4568-59F1-4778-9D34-BDE7FE120C99}"/>
-                  </a:ext>
-                </a:extLst>
-              </p:cNvPr>
-              <p:cNvSpPr/>
-              <p:nvPr/>
-            </p:nvSpPr>
-            <p:spPr>
-              <a:xfrm>
-                <a:off x="6271283" y="1822708"/>
-                <a:ext cx="198028" cy="170714"/>
-              </a:xfrm>
-              <a:prstGeom prst="triangle">
-                <a:avLst/>
-              </a:prstGeom>
-              <a:ln w="12700">
-                <a:prstDash val="solid"/>
-              </a:ln>
-            </p:spPr>
-            <p:style>
-              <a:lnRef idx="2">
-                <a:schemeClr val="dk1"/>
-              </a:lnRef>
-              <a:fillRef idx="0">
-                <a:schemeClr val="dk1"/>
-              </a:fillRef>
-              <a:effectRef idx="1">
-                <a:schemeClr val="dk1"/>
-              </a:effectRef>
-              <a:fontRef idx="minor">
-                <a:schemeClr val="tx1"/>
-              </a:fontRef>
-            </p:style>
-            <p:txBody>
-              <a:bodyPr rtlCol="0" anchor="ctr"/>
-              <a:lstStyle/>
-              <a:p>
-                <a:pPr algn="ctr"/>
-                <a:endParaRPr lang="fr-FR" sz="1600"/>
-              </a:p>
-            </p:txBody>
-          </p:sp>
-          <p:sp>
-            <p:nvSpPr>
-              <p:cNvPr id="69" name="Triangle isocèle 68">
-                <a:extLst>
-                  <a:ext uri="{FF2B5EF4-FFF2-40B4-BE49-F238E27FC236}">
-                    <a16:creationId xmlns:a16="http://schemas.microsoft.com/office/drawing/2014/main" id="{2329A71A-EE86-4C2A-BC2F-5E5E89F0BA46}"/>
-                  </a:ext>
-                </a:extLst>
-              </p:cNvPr>
-              <p:cNvSpPr/>
-              <p:nvPr/>
-            </p:nvSpPr>
-            <p:spPr>
-              <a:xfrm>
-                <a:off x="6271283" y="2107312"/>
-                <a:ext cx="198028" cy="170714"/>
-              </a:xfrm>
-              <a:prstGeom prst="triangle">
-                <a:avLst/>
-              </a:prstGeom>
-              <a:ln w="12700">
-                <a:prstDash val="solid"/>
-              </a:ln>
-            </p:spPr>
-            <p:style>
-              <a:lnRef idx="2">
-                <a:schemeClr val="dk1"/>
-              </a:lnRef>
-              <a:fillRef idx="0">
-                <a:schemeClr val="dk1"/>
-              </a:fillRef>
-              <a:effectRef idx="1">
-                <a:schemeClr val="dk1"/>
-              </a:effectRef>
-              <a:fontRef idx="minor">
-                <a:schemeClr val="tx1"/>
-              </a:fontRef>
-            </p:style>
-            <p:txBody>
-              <a:bodyPr rtlCol="0" anchor="ctr"/>
-              <a:lstStyle/>
-              <a:p>
-                <a:pPr algn="ctr"/>
-                <a:endParaRPr lang="fr-FR" sz="1600"/>
-              </a:p>
-            </p:txBody>
-          </p:sp>
-          <mc:AlternateContent xmlns:mc="http://schemas.openxmlformats.org/markup-compatibility/2006">
-            <mc:Choice xmlns:a14="http://schemas.microsoft.com/office/drawing/2010/main" Requires="a14">
-              <p:sp>
-                <p:nvSpPr>
-                  <p:cNvPr id="70" name="ZoneTexte 69">
-                    <a:extLst>
-                      <a:ext uri="{FF2B5EF4-FFF2-40B4-BE49-F238E27FC236}">
-                        <a16:creationId xmlns:a16="http://schemas.microsoft.com/office/drawing/2014/main" id="{5DDE2CEB-59D2-4CFE-8705-437A77ACA710}"/>
-                      </a:ext>
-                    </a:extLst>
-                  </p:cNvPr>
-                  <p:cNvSpPr txBox="1"/>
-                  <p:nvPr/>
-                </p:nvSpPr>
-                <p:spPr>
-                  <a:xfrm>
-                    <a:off x="6207870" y="2196985"/>
-                    <a:ext cx="324128" cy="261610"/>
-                  </a:xfrm>
-                  <a:prstGeom prst="rect">
-                    <a:avLst/>
-                  </a:prstGeom>
-                  <a:noFill/>
-                </p:spPr>
-                <p:txBody>
-                  <a:bodyPr wrap="none" rtlCol="0">
-                    <a:spAutoFit/>
-                  </a:bodyPr>
-                  <a:lstStyle/>
-                  <a:p>
-                    <a:pPr/>
-                    <a14:m>
-                      <m:oMathPara xmlns:m="http://schemas.openxmlformats.org/officeDocument/2006/math">
-                        <m:oMathParaPr>
-                          <m:jc m:val="centerGroup"/>
-                        </m:oMathParaPr>
-                        <m:oMath xmlns:m="http://schemas.openxmlformats.org/officeDocument/2006/math">
-                          <m:r>
-                            <a:rPr lang="fr-FR" sz="1100" i="1">
-                              <a:latin typeface="Cambria Math" panose="02040503050406030204" pitchFamily="18" charset="0"/>
-                            </a:rPr>
-                            <m:t>×</m:t>
-                          </m:r>
-                        </m:oMath>
-                      </m:oMathPara>
-                    </a14:m>
-                    <a:endParaRPr lang="fr-FR" sz="1100" dirty="0"/>
-                  </a:p>
-                </p:txBody>
-              </p:sp>
-            </mc:Choice>
-            <mc:Fallback>
-              <p:sp>
-                <p:nvSpPr>
-                  <p:cNvPr id="70" name="ZoneTexte 69">
-                    <a:extLst>
-                      <a:ext uri="{FF2B5EF4-FFF2-40B4-BE49-F238E27FC236}">
-                        <a16:creationId xmlns:a16="http://schemas.microsoft.com/office/drawing/2014/main" id="{5DDE2CEB-59D2-4CFE-8705-437A77ACA710}"/>
-                      </a:ext>
-                    </a:extLst>
-                  </p:cNvPr>
-                  <p:cNvSpPr txBox="1">
-                    <a:spLocks noRot="1" noChangeAspect="1" noMove="1" noResize="1" noEditPoints="1" noAdjustHandles="1" noChangeArrowheads="1" noChangeShapeType="1" noTextEdit="1"/>
-                  </p:cNvSpPr>
-                  <p:nvPr/>
-                </p:nvSpPr>
-                <p:spPr>
-                  <a:xfrm>
-                    <a:off x="6207870" y="2196985"/>
-                    <a:ext cx="324128" cy="261610"/>
-                  </a:xfrm>
-                  <a:prstGeom prst="rect">
-                    <a:avLst/>
-                  </a:prstGeom>
-                  <a:blipFill>
-                    <a:blip r:embed="rId15"/>
-                    <a:stretch>
-                      <a:fillRect/>
-                    </a:stretch>
-                  </a:blipFill>
-                </p:spPr>
-                <p:txBody>
-                  <a:bodyPr/>
-                  <a:lstStyle/>
-                  <a:p>
-                    <a:r>
-                      <a:rPr lang="fr-FR">
-                        <a:noFill/>
-                      </a:rPr>
-                      <a:t> </a:t>
-                    </a:r>
-                  </a:p>
-                </p:txBody>
-              </p:sp>
-            </mc:Fallback>
-          </mc:AlternateContent>
-          <p:sp>
-            <p:nvSpPr>
-              <p:cNvPr id="74" name="Triangle isocèle 73">
-                <a:extLst>
-                  <a:ext uri="{FF2B5EF4-FFF2-40B4-BE49-F238E27FC236}">
-                    <a16:creationId xmlns:a16="http://schemas.microsoft.com/office/drawing/2014/main" id="{F405280A-9E3E-45A8-B396-1BB919F16772}"/>
-                  </a:ext>
-                </a:extLst>
-              </p:cNvPr>
-              <p:cNvSpPr/>
-              <p:nvPr/>
-            </p:nvSpPr>
-            <p:spPr>
-              <a:xfrm>
-                <a:off x="6277737" y="2442270"/>
-                <a:ext cx="198028" cy="170714"/>
-              </a:xfrm>
-              <a:prstGeom prst="triangle">
-                <a:avLst/>
-              </a:prstGeom>
-              <a:ln w="12700">
-                <a:prstDash val="sysDot"/>
-              </a:ln>
-            </p:spPr>
-            <p:style>
-              <a:lnRef idx="2">
-                <a:schemeClr val="dk1"/>
-              </a:lnRef>
-              <a:fillRef idx="0">
-                <a:schemeClr val="dk1"/>
-              </a:fillRef>
-              <a:effectRef idx="1">
-                <a:schemeClr val="dk1"/>
-              </a:effectRef>
-              <a:fontRef idx="minor">
-                <a:schemeClr val="tx1"/>
-              </a:fontRef>
-            </p:style>
-            <p:txBody>
-              <a:bodyPr rtlCol="0" anchor="ctr"/>
-              <a:lstStyle/>
-              <a:p>
-                <a:pPr algn="ctr"/>
-                <a:endParaRPr lang="fr-FR" sz="1600"/>
-              </a:p>
-            </p:txBody>
-          </p:sp>
-        </p:grpSp>
-        <p:sp>
-          <p:nvSpPr>
-            <p:cNvPr id="88" name="Ellipse 87">
-              <a:extLst>
-                <a:ext uri="{FF2B5EF4-FFF2-40B4-BE49-F238E27FC236}">
-                  <a16:creationId xmlns:a16="http://schemas.microsoft.com/office/drawing/2014/main" id="{573E9AE4-E9EF-4969-9679-9489705B4DB6}"/>
-                </a:ext>
-              </a:extLst>
-            </p:cNvPr>
-            <p:cNvSpPr/>
-            <p:nvPr/>
-          </p:nvSpPr>
-          <p:spPr>
-            <a:xfrm>
-              <a:off x="6338295" y="2549134"/>
-              <a:ext cx="36000" cy="36000"/>
-            </a:xfrm>
-            <a:prstGeom prst="ellipse">
-              <a:avLst/>
-            </a:prstGeom>
+            <a:off x="6209805" y="1459463"/>
+            <a:ext cx="2252133" cy="2521111"/>
+          </a:xfrm>
+          <a:prstGeom prst="rect">
+            <a:avLst/>
+          </a:prstGeom>
+          <a:solidFill>
+            <a:schemeClr val="bg1"/>
+          </a:solidFill>
+          <a:ln>
             <a:solidFill>
-              <a:srgbClr val="0070C0"/>
+              <a:schemeClr val="tx1"/>
             </a:solidFill>
-            <a:ln>
-              <a:solidFill>
-                <a:srgbClr val="0070C0"/>
-              </a:solidFill>
-            </a:ln>
-          </p:spPr>
-          <p:style>
-            <a:lnRef idx="2">
-              <a:schemeClr val="accent1">
-                <a:shade val="50000"/>
-              </a:schemeClr>
-            </a:lnRef>
-            <a:fillRef idx="1">
-              <a:schemeClr val="accent1"/>
-            </a:fillRef>
-            <a:effectRef idx="0">
-              <a:schemeClr val="accent1"/>
-            </a:effectRef>
-            <a:fontRef idx="minor">
-              <a:schemeClr val="lt1"/>
-            </a:fontRef>
-          </p:style>
-          <p:txBody>
-            <a:bodyPr rtlCol="0" anchor="ctr"/>
-            <a:lstStyle/>
-            <a:p>
-              <a:pPr algn="ctr"/>
-              <a:endParaRPr lang="fr-FR"/>
-            </a:p>
-          </p:txBody>
-        </p:sp>
-      </p:grpSp>
+          </a:ln>
+        </p:spPr>
+        <p:style>
+          <a:lnRef idx="2">
+            <a:schemeClr val="accent1">
+              <a:shade val="50000"/>
+            </a:schemeClr>
+          </a:lnRef>
+          <a:fillRef idx="1">
+            <a:schemeClr val="accent1"/>
+          </a:fillRef>
+          <a:effectRef idx="0">
+            <a:schemeClr val="accent1"/>
+          </a:effectRef>
+          <a:fontRef idx="minor">
+            <a:schemeClr val="lt1"/>
+          </a:fontRef>
+        </p:style>
+        <p:txBody>
+          <a:bodyPr rtlCol="0" anchor="ctr"/>
+          <a:lstStyle/>
+          <a:p>
+            <a:pPr algn="ctr"/>
+            <a:endParaRPr lang="fr-FR"/>
+          </a:p>
+        </p:txBody>
+      </p:sp>
       <p:cxnSp>
         <p:nvCxnSpPr>
-          <p:cNvPr id="134" name="Connecteur droit 133">
-            <a:extLst>
-              <a:ext uri="{FF2B5EF4-FFF2-40B4-BE49-F238E27FC236}">
-                <a16:creationId xmlns:a16="http://schemas.microsoft.com/office/drawing/2014/main" id="{97B66613-9064-4858-92B3-7F5AE993BC31}"/>
+          <p:cNvPr id="56" name="Connecteur droit 55">
+            <a:extLst>
+              <a:ext uri="{FF2B5EF4-FFF2-40B4-BE49-F238E27FC236}">
+                <a16:creationId xmlns:a16="http://schemas.microsoft.com/office/drawing/2014/main" id="{49DE66F1-4D4F-4E69-BE61-DD0C28A14954}"/>
               </a:ext>
             </a:extLst>
           </p:cNvPr>
@@ -7875,7 +6669,1202 @@
         </p:nvCxnSpPr>
         <p:spPr>
           <a:xfrm>
-            <a:off x="4206941" y="346645"/>
+            <a:off x="6301769" y="1740248"/>
+            <a:ext cx="199454" cy="0"/>
+          </a:xfrm>
+          <a:prstGeom prst="line">
+            <a:avLst/>
+          </a:prstGeom>
+          <a:ln w="12700">
+            <a:prstDash val="sysDot"/>
+          </a:ln>
+        </p:spPr>
+        <p:style>
+          <a:lnRef idx="2">
+            <a:schemeClr val="dk1"/>
+          </a:lnRef>
+          <a:fillRef idx="0">
+            <a:schemeClr val="dk1"/>
+          </a:fillRef>
+          <a:effectRef idx="1">
+            <a:schemeClr val="dk1"/>
+          </a:effectRef>
+          <a:fontRef idx="minor">
+            <a:schemeClr val="tx1"/>
+          </a:fontRef>
+        </p:style>
+      </p:cxnSp>
+      <mc:AlternateContent xmlns:mc="http://schemas.openxmlformats.org/markup-compatibility/2006">
+        <mc:Choice xmlns:a14="http://schemas.microsoft.com/office/drawing/2010/main" Requires="a14">
+          <p:sp>
+            <p:nvSpPr>
+              <p:cNvPr id="57" name="ZoneTexte 56">
+                <a:extLst>
+                  <a:ext uri="{FF2B5EF4-FFF2-40B4-BE49-F238E27FC236}">
+                    <a16:creationId xmlns:a16="http://schemas.microsoft.com/office/drawing/2014/main" id="{740C6EB0-01D1-487C-9FB1-B0626A3DEE2C}"/>
+                  </a:ext>
+                </a:extLst>
+              </p:cNvPr>
+              <p:cNvSpPr txBox="1"/>
+              <p:nvPr/>
+            </p:nvSpPr>
+            <p:spPr>
+              <a:xfrm>
+                <a:off x="6501224" y="1440739"/>
+                <a:ext cx="1996911" cy="2739211"/>
+              </a:xfrm>
+              <a:prstGeom prst="rect">
+                <a:avLst/>
+              </a:prstGeom>
+              <a:noFill/>
+            </p:spPr>
+            <p:txBody>
+              <a:bodyPr wrap="square" numCol="1" rtlCol="0">
+                <a:spAutoFit/>
+              </a:bodyPr>
+              <a:lstStyle/>
+              <a:p>
+                <a:r>
+                  <a:rPr lang="en-GB" sz="1050" dirty="0"/>
+                  <a:t>good lineage</a:t>
+                </a:r>
+              </a:p>
+              <a:p>
+                <a:r>
+                  <a:rPr lang="en-GB" sz="1050" dirty="0"/>
+                  <a:t>incipient lineage</a:t>
+                </a:r>
+              </a:p>
+              <a:p>
+                <a:r>
+                  <a:rPr lang="en-GB" sz="1050" dirty="0"/>
+                  <a:t>initiation from a good (</a:t>
+                </a:r>
+                <a14:m>
+                  <m:oMath xmlns:m="http://schemas.openxmlformats.org/officeDocument/2006/math">
+                    <m:sSub>
+                      <m:sSubPr>
+                        <m:ctrlPr>
+                          <a:rPr lang="en-GB" sz="1050" i="1">
+                            <a:solidFill>
+                              <a:srgbClr val="00B050"/>
+                            </a:solidFill>
+                            <a:latin typeface="Cambria Math" panose="02040503050406030204" pitchFamily="18" charset="0"/>
+                          </a:rPr>
+                        </m:ctrlPr>
+                      </m:sSubPr>
+                      <m:e>
+                        <m:r>
+                          <a:rPr lang="en-GB" sz="1050" i="1">
+                            <a:solidFill>
+                              <a:srgbClr val="00B050"/>
+                            </a:solidFill>
+                            <a:latin typeface="Cambria Math" panose="02040503050406030204" pitchFamily="18" charset="0"/>
+                          </a:rPr>
+                          <m:t>𝜆</m:t>
+                        </m:r>
+                      </m:e>
+                      <m:sub>
+                        <m:r>
+                          <a:rPr lang="en-GB" sz="1050" i="1">
+                            <a:solidFill>
+                              <a:srgbClr val="00B050"/>
+                            </a:solidFill>
+                            <a:latin typeface="Cambria Math" panose="02040503050406030204" pitchFamily="18" charset="0"/>
+                          </a:rPr>
+                          <m:t>1</m:t>
+                        </m:r>
+                      </m:sub>
+                    </m:sSub>
+                  </m:oMath>
+                </a14:m>
+                <a:r>
+                  <a:rPr lang="en-GB" sz="1050" dirty="0"/>
+                  <a:t>)</a:t>
+                </a:r>
+              </a:p>
+              <a:p>
+                <a:r>
+                  <a:rPr lang="en-GB" sz="1050" dirty="0"/>
+                  <a:t>completion of an incipient (</a:t>
+                </a:r>
+                <a14:m>
+                  <m:oMath xmlns:m="http://schemas.openxmlformats.org/officeDocument/2006/math">
+                    <m:sSub>
+                      <m:sSubPr>
+                        <m:ctrlPr>
+                          <a:rPr lang="en-GB" sz="1050" i="1">
+                            <a:solidFill>
+                              <a:srgbClr val="0070C0"/>
+                            </a:solidFill>
+                            <a:latin typeface="Cambria Math" panose="02040503050406030204" pitchFamily="18" charset="0"/>
+                          </a:rPr>
+                        </m:ctrlPr>
+                      </m:sSubPr>
+                      <m:e>
+                        <m:r>
+                          <a:rPr lang="en-GB" sz="1050" i="1">
+                            <a:solidFill>
+                              <a:srgbClr val="0070C0"/>
+                            </a:solidFill>
+                            <a:latin typeface="Cambria Math" panose="02040503050406030204" pitchFamily="18" charset="0"/>
+                          </a:rPr>
+                          <m:t>𝜆</m:t>
+                        </m:r>
+                      </m:e>
+                      <m:sub>
+                        <m:r>
+                          <a:rPr lang="en-GB" sz="1050" i="1">
+                            <a:solidFill>
+                              <a:srgbClr val="0070C0"/>
+                            </a:solidFill>
+                            <a:latin typeface="Cambria Math" panose="02040503050406030204" pitchFamily="18" charset="0"/>
+                          </a:rPr>
+                          <m:t>2</m:t>
+                        </m:r>
+                      </m:sub>
+                    </m:sSub>
+                  </m:oMath>
+                </a14:m>
+                <a:r>
+                  <a:rPr lang="en-GB" sz="1050" dirty="0"/>
+                  <a:t>)</a:t>
+                </a:r>
+              </a:p>
+              <a:p>
+                <a:r>
+                  <a:rPr lang="en-GB" sz="1050" dirty="0"/>
+                  <a:t>initiation from an incipient (</a:t>
+                </a:r>
+                <a14:m>
+                  <m:oMath xmlns:m="http://schemas.openxmlformats.org/officeDocument/2006/math">
+                    <m:sSub>
+                      <m:sSubPr>
+                        <m:ctrlPr>
+                          <a:rPr lang="en-GB" sz="1050" i="1">
+                            <a:solidFill>
+                              <a:srgbClr val="0070C0"/>
+                            </a:solidFill>
+                            <a:latin typeface="Cambria Math" panose="02040503050406030204" pitchFamily="18" charset="0"/>
+                          </a:rPr>
+                        </m:ctrlPr>
+                      </m:sSubPr>
+                      <m:e>
+                        <m:r>
+                          <a:rPr lang="en-GB" sz="1050" i="1">
+                            <a:solidFill>
+                              <a:srgbClr val="0070C0"/>
+                            </a:solidFill>
+                            <a:latin typeface="Cambria Math" panose="02040503050406030204" pitchFamily="18" charset="0"/>
+                          </a:rPr>
+                          <m:t>𝜆</m:t>
+                        </m:r>
+                      </m:e>
+                      <m:sub>
+                        <m:r>
+                          <a:rPr lang="en-GB" sz="1050" i="1">
+                            <a:solidFill>
+                              <a:srgbClr val="0070C0"/>
+                            </a:solidFill>
+                            <a:latin typeface="Cambria Math" panose="02040503050406030204" pitchFamily="18" charset="0"/>
+                          </a:rPr>
+                          <m:t>3</m:t>
+                        </m:r>
+                      </m:sub>
+                    </m:sSub>
+                  </m:oMath>
+                </a14:m>
+                <a:r>
+                  <a:rPr lang="en-GB" sz="1050" dirty="0"/>
+                  <a:t>)</a:t>
+                </a:r>
+              </a:p>
+              <a:p>
+                <a:r>
+                  <a:rPr lang="en-GB" sz="1050" dirty="0"/>
+                  <a:t>extinction of a good (</a:t>
+                </a:r>
+                <a14:m>
+                  <m:oMath xmlns:m="http://schemas.openxmlformats.org/officeDocument/2006/math">
+                    <m:sSub>
+                      <m:sSubPr>
+                        <m:ctrlPr>
+                          <a:rPr lang="en-GB" sz="1050" i="1">
+                            <a:solidFill>
+                              <a:srgbClr val="00B050"/>
+                            </a:solidFill>
+                            <a:latin typeface="Cambria Math" panose="02040503050406030204" pitchFamily="18" charset="0"/>
+                          </a:rPr>
+                        </m:ctrlPr>
+                      </m:sSubPr>
+                      <m:e>
+                        <m:r>
+                          <a:rPr lang="en-GB" sz="1050" i="1">
+                            <a:solidFill>
+                              <a:srgbClr val="00B050"/>
+                            </a:solidFill>
+                            <a:latin typeface="Cambria Math" panose="02040503050406030204" pitchFamily="18" charset="0"/>
+                          </a:rPr>
+                          <m:t>𝜇</m:t>
+                        </m:r>
+                      </m:e>
+                      <m:sub>
+                        <m:r>
+                          <a:rPr lang="en-GB" sz="1050" i="1">
+                            <a:solidFill>
+                              <a:srgbClr val="00B050"/>
+                            </a:solidFill>
+                            <a:latin typeface="Cambria Math" panose="02040503050406030204" pitchFamily="18" charset="0"/>
+                          </a:rPr>
+                          <m:t>1</m:t>
+                        </m:r>
+                      </m:sub>
+                    </m:sSub>
+                  </m:oMath>
+                </a14:m>
+                <a:r>
+                  <a:rPr lang="en-GB" sz="1050" dirty="0"/>
+                  <a:t>)</a:t>
+                </a:r>
+              </a:p>
+              <a:p>
+                <a:r>
+                  <a:rPr lang="en-GB" sz="1050" dirty="0"/>
+                  <a:t>extinction of an incipient (</a:t>
+                </a:r>
+                <a14:m>
+                  <m:oMath xmlns:m="http://schemas.openxmlformats.org/officeDocument/2006/math">
+                    <m:sSub>
+                      <m:sSubPr>
+                        <m:ctrlPr>
+                          <a:rPr lang="en-GB" sz="1050" i="1">
+                            <a:solidFill>
+                              <a:srgbClr val="0070C0"/>
+                            </a:solidFill>
+                            <a:latin typeface="Cambria Math" panose="02040503050406030204" pitchFamily="18" charset="0"/>
+                          </a:rPr>
+                        </m:ctrlPr>
+                      </m:sSubPr>
+                      <m:e>
+                        <m:r>
+                          <a:rPr lang="en-GB" sz="1050" i="1">
+                            <a:solidFill>
+                              <a:srgbClr val="0070C0"/>
+                            </a:solidFill>
+                            <a:latin typeface="Cambria Math" panose="02040503050406030204" pitchFamily="18" charset="0"/>
+                          </a:rPr>
+                          <m:t>𝜇</m:t>
+                        </m:r>
+                      </m:e>
+                      <m:sub>
+                        <m:r>
+                          <a:rPr lang="en-GB" sz="1050" i="1">
+                            <a:solidFill>
+                              <a:srgbClr val="0070C0"/>
+                            </a:solidFill>
+                            <a:latin typeface="Cambria Math" panose="02040503050406030204" pitchFamily="18" charset="0"/>
+                          </a:rPr>
+                          <m:t>2</m:t>
+                        </m:r>
+                      </m:sub>
+                    </m:sSub>
+                  </m:oMath>
+                </a14:m>
+                <a:r>
+                  <a:rPr lang="en-GB" sz="1050" dirty="0"/>
+                  <a:t>)</a:t>
+                </a:r>
+              </a:p>
+              <a:p>
+                <a:endParaRPr lang="en-GB" sz="400" dirty="0"/>
+              </a:p>
+              <a:p>
+                <a:r>
+                  <a:rPr lang="en-GB" sz="1050" dirty="0"/>
+                  <a:t>descendants of an incipient </a:t>
+                </a:r>
+              </a:p>
+              <a:p>
+                <a:endParaRPr lang="en-GB" sz="1050" dirty="0"/>
+              </a:p>
+              <a:p>
+                <a:r>
+                  <a:rPr lang="en-GB" sz="1050" dirty="0"/>
+                  <a:t>descendants of a good</a:t>
+                </a:r>
+              </a:p>
+              <a:p>
+                <a:endParaRPr lang="en-GB" sz="1050" dirty="0"/>
+              </a:p>
+              <a:p>
+                <a:r>
+                  <a:rPr lang="en-GB" sz="1050" dirty="0"/>
+                  <a:t>extinction of all descendants </a:t>
+                </a:r>
+              </a:p>
+              <a:p>
+                <a:endParaRPr lang="en-GB" sz="1050" dirty="0"/>
+              </a:p>
+              <a:p>
+                <a:r>
+                  <a:rPr lang="en-GB" sz="1050" dirty="0"/>
+                  <a:t>at least one descendant completes</a:t>
+                </a:r>
+              </a:p>
+              <a:p>
+                <a:endParaRPr lang="en-GB" sz="1050" dirty="0"/>
+              </a:p>
+            </p:txBody>
+          </p:sp>
+        </mc:Choice>
+        <mc:Fallback>
+          <p:sp>
+            <p:nvSpPr>
+              <p:cNvPr id="57" name="ZoneTexte 56">
+                <a:extLst>
+                  <a:ext uri="{FF2B5EF4-FFF2-40B4-BE49-F238E27FC236}">
+                    <a16:creationId xmlns:a16="http://schemas.microsoft.com/office/drawing/2014/main" id="{740C6EB0-01D1-487C-9FB1-B0626A3DEE2C}"/>
+                  </a:ext>
+                </a:extLst>
+              </p:cNvPr>
+              <p:cNvSpPr txBox="1">
+                <a:spLocks noRot="1" noChangeAspect="1" noMove="1" noResize="1" noEditPoints="1" noAdjustHandles="1" noChangeArrowheads="1" noChangeShapeType="1" noTextEdit="1"/>
+              </p:cNvSpPr>
+              <p:nvPr/>
+            </p:nvSpPr>
+            <p:spPr>
+              <a:xfrm>
+                <a:off x="6501224" y="1440739"/>
+                <a:ext cx="1996911" cy="2739211"/>
+              </a:xfrm>
+              <a:prstGeom prst="rect">
+                <a:avLst/>
+              </a:prstGeom>
+              <a:blipFill>
+                <a:blip r:embed="rId12"/>
+                <a:stretch>
+                  <a:fillRect/>
+                </a:stretch>
+              </a:blipFill>
+            </p:spPr>
+            <p:txBody>
+              <a:bodyPr/>
+              <a:lstStyle/>
+              <a:p>
+                <a:r>
+                  <a:rPr lang="fr-FR">
+                    <a:noFill/>
+                  </a:rPr>
+                  <a:t> </a:t>
+                </a:r>
+              </a:p>
+            </p:txBody>
+          </p:sp>
+        </mc:Fallback>
+      </mc:AlternateContent>
+      <p:cxnSp>
+        <p:nvCxnSpPr>
+          <p:cNvPr id="58" name="Connecteur droit 57">
+            <a:extLst>
+              <a:ext uri="{FF2B5EF4-FFF2-40B4-BE49-F238E27FC236}">
+                <a16:creationId xmlns:a16="http://schemas.microsoft.com/office/drawing/2014/main" id="{55573874-4EF3-4BD3-A697-D107F9421E28}"/>
+              </a:ext>
+            </a:extLst>
+          </p:cNvPr>
+          <p:cNvCxnSpPr>
+            <a:cxnSpLocks/>
+          </p:cNvCxnSpPr>
+          <p:nvPr/>
+        </p:nvCxnSpPr>
+        <p:spPr>
+          <a:xfrm>
+            <a:off x="6301769" y="1585943"/>
+            <a:ext cx="199454" cy="0"/>
+          </a:xfrm>
+          <a:prstGeom prst="line">
+            <a:avLst/>
+          </a:prstGeom>
+          <a:ln w="12700"/>
+        </p:spPr>
+        <p:style>
+          <a:lnRef idx="2">
+            <a:schemeClr val="dk1"/>
+          </a:lnRef>
+          <a:fillRef idx="0">
+            <a:schemeClr val="dk1"/>
+          </a:fillRef>
+          <a:effectRef idx="1">
+            <a:schemeClr val="dk1"/>
+          </a:effectRef>
+          <a:fontRef idx="minor">
+            <a:schemeClr val="tx1"/>
+          </a:fontRef>
+        </p:style>
+      </p:cxnSp>
+      <p:sp>
+        <p:nvSpPr>
+          <p:cNvPr id="59" name="Rectangle 58">
+            <a:extLst>
+              <a:ext uri="{FF2B5EF4-FFF2-40B4-BE49-F238E27FC236}">
+                <a16:creationId xmlns:a16="http://schemas.microsoft.com/office/drawing/2014/main" id="{A48C7DF5-610C-4DD3-A7F0-1B088083D733}"/>
+              </a:ext>
+            </a:extLst>
+          </p:cNvPr>
+          <p:cNvSpPr/>
+          <p:nvPr/>
+        </p:nvSpPr>
+        <p:spPr>
+          <a:xfrm>
+            <a:off x="6365496" y="1863952"/>
+            <a:ext cx="72000" cy="72000"/>
+          </a:xfrm>
+          <a:prstGeom prst="rect">
+            <a:avLst/>
+          </a:prstGeom>
+          <a:solidFill>
+            <a:srgbClr val="00B050"/>
+          </a:solidFill>
+          <a:ln>
+            <a:solidFill>
+              <a:srgbClr val="00B050"/>
+            </a:solidFill>
+          </a:ln>
+        </p:spPr>
+        <p:style>
+          <a:lnRef idx="2">
+            <a:schemeClr val="accent1">
+              <a:shade val="50000"/>
+            </a:schemeClr>
+          </a:lnRef>
+          <a:fillRef idx="1">
+            <a:schemeClr val="accent1"/>
+          </a:fillRef>
+          <a:effectRef idx="0">
+            <a:schemeClr val="accent1"/>
+          </a:effectRef>
+          <a:fontRef idx="minor">
+            <a:schemeClr val="lt1"/>
+          </a:fontRef>
+        </p:style>
+        <p:txBody>
+          <a:bodyPr rtlCol="0" anchor="ctr"/>
+          <a:lstStyle/>
+          <a:p>
+            <a:pPr algn="ctr"/>
+            <a:endParaRPr lang="fr-FR"/>
+          </a:p>
+        </p:txBody>
+      </p:sp>
+      <p:sp>
+        <p:nvSpPr>
+          <p:cNvPr id="60" name="Ellipse 59">
+            <a:extLst>
+              <a:ext uri="{FF2B5EF4-FFF2-40B4-BE49-F238E27FC236}">
+                <a16:creationId xmlns:a16="http://schemas.microsoft.com/office/drawing/2014/main" id="{4D8948D8-B892-4E42-9461-3AC0CAF21C45}"/>
+              </a:ext>
+            </a:extLst>
+          </p:cNvPr>
+          <p:cNvSpPr/>
+          <p:nvPr/>
+        </p:nvSpPr>
+        <p:spPr>
+          <a:xfrm>
+            <a:off x="6365553" y="2023990"/>
+            <a:ext cx="72984" cy="72984"/>
+          </a:xfrm>
+          <a:prstGeom prst="ellipse">
+            <a:avLst/>
+          </a:prstGeom>
+          <a:solidFill>
+            <a:srgbClr val="0070C0"/>
+          </a:solidFill>
+          <a:ln>
+            <a:solidFill>
+              <a:srgbClr val="0070C0"/>
+            </a:solidFill>
+          </a:ln>
+        </p:spPr>
+        <p:style>
+          <a:lnRef idx="2">
+            <a:schemeClr val="accent1">
+              <a:shade val="50000"/>
+            </a:schemeClr>
+          </a:lnRef>
+          <a:fillRef idx="1">
+            <a:schemeClr val="accent1"/>
+          </a:fillRef>
+          <a:effectRef idx="0">
+            <a:schemeClr val="accent1"/>
+          </a:effectRef>
+          <a:fontRef idx="minor">
+            <a:schemeClr val="lt1"/>
+          </a:fontRef>
+        </p:style>
+        <p:txBody>
+          <a:bodyPr rtlCol="0" anchor="ctr"/>
+          <a:lstStyle/>
+          <a:p>
+            <a:pPr algn="ctr"/>
+            <a:endParaRPr lang="fr-FR"/>
+          </a:p>
+        </p:txBody>
+      </p:sp>
+      <p:sp>
+        <p:nvSpPr>
+          <p:cNvPr id="61" name="Rectangle 60">
+            <a:extLst>
+              <a:ext uri="{FF2B5EF4-FFF2-40B4-BE49-F238E27FC236}">
+                <a16:creationId xmlns:a16="http://schemas.microsoft.com/office/drawing/2014/main" id="{3A9DC5B5-D85D-4B44-9B81-0533C8A2090F}"/>
+              </a:ext>
+            </a:extLst>
+          </p:cNvPr>
+          <p:cNvSpPr/>
+          <p:nvPr/>
+        </p:nvSpPr>
+        <p:spPr>
+          <a:xfrm>
+            <a:off x="6365240" y="2180775"/>
+            <a:ext cx="72000" cy="72000"/>
+          </a:xfrm>
+          <a:prstGeom prst="rect">
+            <a:avLst/>
+          </a:prstGeom>
+          <a:solidFill>
+            <a:srgbClr val="0070C0"/>
+          </a:solidFill>
+          <a:ln>
+            <a:solidFill>
+              <a:srgbClr val="0070C0"/>
+            </a:solidFill>
+          </a:ln>
+        </p:spPr>
+        <p:style>
+          <a:lnRef idx="2">
+            <a:schemeClr val="accent1">
+              <a:shade val="50000"/>
+            </a:schemeClr>
+          </a:lnRef>
+          <a:fillRef idx="1">
+            <a:schemeClr val="accent1"/>
+          </a:fillRef>
+          <a:effectRef idx="0">
+            <a:schemeClr val="accent1"/>
+          </a:effectRef>
+          <a:fontRef idx="minor">
+            <a:schemeClr val="lt1"/>
+          </a:fontRef>
+        </p:style>
+        <p:txBody>
+          <a:bodyPr rtlCol="0" anchor="ctr"/>
+          <a:lstStyle/>
+          <a:p>
+            <a:pPr algn="ctr"/>
+            <a:endParaRPr lang="fr-FR"/>
+          </a:p>
+        </p:txBody>
+      </p:sp>
+      <mc:AlternateContent xmlns:mc="http://schemas.openxmlformats.org/markup-compatibility/2006">
+        <mc:Choice xmlns:a14="http://schemas.microsoft.com/office/drawing/2010/main" Requires="a14">
+          <p:sp>
+            <p:nvSpPr>
+              <p:cNvPr id="62" name="ZoneTexte 61">
+                <a:extLst>
+                  <a:ext uri="{FF2B5EF4-FFF2-40B4-BE49-F238E27FC236}">
+                    <a16:creationId xmlns:a16="http://schemas.microsoft.com/office/drawing/2014/main" id="{163B2EDF-2F38-4BF9-9DBD-74547DDA1F11}"/>
+                  </a:ext>
+                </a:extLst>
+              </p:cNvPr>
+              <p:cNvSpPr txBox="1"/>
+              <p:nvPr/>
+            </p:nvSpPr>
+            <p:spPr>
+              <a:xfrm>
+                <a:off x="6231972" y="2228670"/>
+                <a:ext cx="338554" cy="276999"/>
+              </a:xfrm>
+              <a:prstGeom prst="rect">
+                <a:avLst/>
+              </a:prstGeom>
+              <a:noFill/>
+            </p:spPr>
+            <p:txBody>
+              <a:bodyPr wrap="none" rtlCol="0">
+                <a:spAutoFit/>
+              </a:bodyPr>
+              <a:lstStyle/>
+              <a:p>
+                <a:pPr/>
+                <a14:m>
+                  <m:oMathPara xmlns:m="http://schemas.openxmlformats.org/officeDocument/2006/math">
+                    <m:oMathParaPr>
+                      <m:jc m:val="centerGroup"/>
+                    </m:oMathParaPr>
+                    <m:oMath xmlns:m="http://schemas.openxmlformats.org/officeDocument/2006/math">
+                      <m:r>
+                        <a:rPr lang="fr-FR" sz="1200" i="1">
+                          <a:solidFill>
+                            <a:srgbClr val="00B050"/>
+                          </a:solidFill>
+                          <a:latin typeface="Cambria Math" panose="02040503050406030204" pitchFamily="18" charset="0"/>
+                        </a:rPr>
+                        <m:t>×</m:t>
+                      </m:r>
+                    </m:oMath>
+                  </m:oMathPara>
+                </a14:m>
+                <a:endParaRPr lang="fr-FR" sz="1200" dirty="0">
+                  <a:solidFill>
+                    <a:srgbClr val="00B050"/>
+                  </a:solidFill>
+                </a:endParaRPr>
+              </a:p>
+            </p:txBody>
+          </p:sp>
+        </mc:Choice>
+        <mc:Fallback>
+          <p:sp>
+            <p:nvSpPr>
+              <p:cNvPr id="62" name="ZoneTexte 61">
+                <a:extLst>
+                  <a:ext uri="{FF2B5EF4-FFF2-40B4-BE49-F238E27FC236}">
+                    <a16:creationId xmlns:a16="http://schemas.microsoft.com/office/drawing/2014/main" id="{163B2EDF-2F38-4BF9-9DBD-74547DDA1F11}"/>
+                  </a:ext>
+                </a:extLst>
+              </p:cNvPr>
+              <p:cNvSpPr txBox="1">
+                <a:spLocks noRot="1" noChangeAspect="1" noMove="1" noResize="1" noEditPoints="1" noAdjustHandles="1" noChangeArrowheads="1" noChangeShapeType="1" noTextEdit="1"/>
+              </p:cNvSpPr>
+              <p:nvPr/>
+            </p:nvSpPr>
+            <p:spPr>
+              <a:xfrm>
+                <a:off x="6231972" y="2228670"/>
+                <a:ext cx="338554" cy="276999"/>
+              </a:xfrm>
+              <a:prstGeom prst="rect">
+                <a:avLst/>
+              </a:prstGeom>
+              <a:blipFill>
+                <a:blip r:embed="rId13"/>
+                <a:stretch>
+                  <a:fillRect/>
+                </a:stretch>
+              </a:blipFill>
+            </p:spPr>
+            <p:txBody>
+              <a:bodyPr/>
+              <a:lstStyle/>
+              <a:p>
+                <a:r>
+                  <a:rPr lang="fr-FR">
+                    <a:noFill/>
+                  </a:rPr>
+                  <a:t> </a:t>
+                </a:r>
+              </a:p>
+            </p:txBody>
+          </p:sp>
+        </mc:Fallback>
+      </mc:AlternateContent>
+      <mc:AlternateContent xmlns:mc="http://schemas.openxmlformats.org/markup-compatibility/2006">
+        <mc:Choice xmlns:a14="http://schemas.microsoft.com/office/drawing/2010/main" Requires="a14">
+          <p:sp>
+            <p:nvSpPr>
+              <p:cNvPr id="63" name="ZoneTexte 62">
+                <a:extLst>
+                  <a:ext uri="{FF2B5EF4-FFF2-40B4-BE49-F238E27FC236}">
+                    <a16:creationId xmlns:a16="http://schemas.microsoft.com/office/drawing/2014/main" id="{3BE09E50-6C98-4ABF-BFFC-68E5A984BE48}"/>
+                  </a:ext>
+                </a:extLst>
+              </p:cNvPr>
+              <p:cNvSpPr txBox="1"/>
+              <p:nvPr/>
+            </p:nvSpPr>
+            <p:spPr>
+              <a:xfrm>
+                <a:off x="6232467" y="2389014"/>
+                <a:ext cx="338554" cy="276999"/>
+              </a:xfrm>
+              <a:prstGeom prst="rect">
+                <a:avLst/>
+              </a:prstGeom>
+              <a:noFill/>
+            </p:spPr>
+            <p:txBody>
+              <a:bodyPr wrap="none" rtlCol="0">
+                <a:spAutoFit/>
+              </a:bodyPr>
+              <a:lstStyle/>
+              <a:p>
+                <a:pPr/>
+                <a14:m>
+                  <m:oMathPara xmlns:m="http://schemas.openxmlformats.org/officeDocument/2006/math">
+                    <m:oMathParaPr>
+                      <m:jc m:val="centerGroup"/>
+                    </m:oMathParaPr>
+                    <m:oMath xmlns:m="http://schemas.openxmlformats.org/officeDocument/2006/math">
+                      <m:r>
+                        <a:rPr lang="fr-FR" sz="1200" i="1">
+                          <a:solidFill>
+                            <a:srgbClr val="0070C0"/>
+                          </a:solidFill>
+                          <a:latin typeface="Cambria Math" panose="02040503050406030204" pitchFamily="18" charset="0"/>
+                        </a:rPr>
+                        <m:t>×</m:t>
+                      </m:r>
+                    </m:oMath>
+                  </m:oMathPara>
+                </a14:m>
+                <a:endParaRPr lang="fr-FR" sz="1200" dirty="0">
+                  <a:solidFill>
+                    <a:srgbClr val="0070C0"/>
+                  </a:solidFill>
+                </a:endParaRPr>
+              </a:p>
+            </p:txBody>
+          </p:sp>
+        </mc:Choice>
+        <mc:Fallback>
+          <p:sp>
+            <p:nvSpPr>
+              <p:cNvPr id="63" name="ZoneTexte 62">
+                <a:extLst>
+                  <a:ext uri="{FF2B5EF4-FFF2-40B4-BE49-F238E27FC236}">
+                    <a16:creationId xmlns:a16="http://schemas.microsoft.com/office/drawing/2014/main" id="{3BE09E50-6C98-4ABF-BFFC-68E5A984BE48}"/>
+                  </a:ext>
+                </a:extLst>
+              </p:cNvPr>
+              <p:cNvSpPr txBox="1">
+                <a:spLocks noRot="1" noChangeAspect="1" noMove="1" noResize="1" noEditPoints="1" noAdjustHandles="1" noChangeArrowheads="1" noChangeShapeType="1" noTextEdit="1"/>
+              </p:cNvSpPr>
+              <p:nvPr/>
+            </p:nvSpPr>
+            <p:spPr>
+              <a:xfrm>
+                <a:off x="6232467" y="2389014"/>
+                <a:ext cx="338554" cy="276999"/>
+              </a:xfrm>
+              <a:prstGeom prst="rect">
+                <a:avLst/>
+              </a:prstGeom>
+              <a:blipFill>
+                <a:blip r:embed="rId14"/>
+                <a:stretch>
+                  <a:fillRect/>
+                </a:stretch>
+              </a:blipFill>
+            </p:spPr>
+            <p:txBody>
+              <a:bodyPr/>
+              <a:lstStyle/>
+              <a:p>
+                <a:r>
+                  <a:rPr lang="fr-FR">
+                    <a:noFill/>
+                  </a:rPr>
+                  <a:t> </a:t>
+                </a:r>
+              </a:p>
+            </p:txBody>
+          </p:sp>
+        </mc:Fallback>
+      </mc:AlternateContent>
+      <p:cxnSp>
+        <p:nvCxnSpPr>
+          <p:cNvPr id="86" name="Connecteur droit 85">
+            <a:extLst>
+              <a:ext uri="{FF2B5EF4-FFF2-40B4-BE49-F238E27FC236}">
+                <a16:creationId xmlns:a16="http://schemas.microsoft.com/office/drawing/2014/main" id="{9D20686E-322D-447D-A8C3-71E158882602}"/>
+              </a:ext>
+            </a:extLst>
+          </p:cNvPr>
+          <p:cNvCxnSpPr>
+            <a:cxnSpLocks/>
+          </p:cNvCxnSpPr>
+          <p:nvPr/>
+        </p:nvCxnSpPr>
+        <p:spPr>
+          <a:xfrm>
+            <a:off x="6384567" y="3758145"/>
+            <a:ext cx="0" cy="176792"/>
+          </a:xfrm>
+          <a:prstGeom prst="line">
+            <a:avLst/>
+          </a:prstGeom>
+          <a:ln w="12700">
+            <a:prstDash val="solid"/>
+          </a:ln>
+        </p:spPr>
+        <p:style>
+          <a:lnRef idx="2">
+            <a:schemeClr val="dk1"/>
+          </a:lnRef>
+          <a:fillRef idx="0">
+            <a:schemeClr val="dk1"/>
+          </a:fillRef>
+          <a:effectRef idx="1">
+            <a:schemeClr val="dk1"/>
+          </a:effectRef>
+          <a:fontRef idx="minor">
+            <a:schemeClr val="tx1"/>
+          </a:fontRef>
+        </p:style>
+      </p:cxnSp>
+      <p:sp>
+        <p:nvSpPr>
+          <p:cNvPr id="67" name="Triangle isocèle 66">
+            <a:extLst>
+              <a:ext uri="{FF2B5EF4-FFF2-40B4-BE49-F238E27FC236}">
+                <a16:creationId xmlns:a16="http://schemas.microsoft.com/office/drawing/2014/main" id="{1BAA9464-EFBE-49B7-A86E-C267A7EA09CD}"/>
+              </a:ext>
+            </a:extLst>
+          </p:cNvPr>
+          <p:cNvSpPr/>
+          <p:nvPr/>
+        </p:nvSpPr>
+        <p:spPr>
+          <a:xfrm>
+            <a:off x="6303581" y="2683705"/>
+            <a:ext cx="198028" cy="170714"/>
+          </a:xfrm>
+          <a:prstGeom prst="triangle">
+            <a:avLst/>
+          </a:prstGeom>
+          <a:ln w="12700">
+            <a:prstDash val="sysDot"/>
+          </a:ln>
+        </p:spPr>
+        <p:style>
+          <a:lnRef idx="2">
+            <a:schemeClr val="dk1"/>
+          </a:lnRef>
+          <a:fillRef idx="0">
+            <a:schemeClr val="dk1"/>
+          </a:fillRef>
+          <a:effectRef idx="1">
+            <a:schemeClr val="dk1"/>
+          </a:effectRef>
+          <a:fontRef idx="minor">
+            <a:schemeClr val="tx1"/>
+          </a:fontRef>
+        </p:style>
+        <p:txBody>
+          <a:bodyPr rtlCol="0" anchor="ctr"/>
+          <a:lstStyle/>
+          <a:p>
+            <a:pPr algn="ctr"/>
+            <a:endParaRPr lang="fr-FR" sz="1600"/>
+          </a:p>
+        </p:txBody>
+      </p:sp>
+      <p:sp>
+        <p:nvSpPr>
+          <p:cNvPr id="68" name="Triangle isocèle 67">
+            <a:extLst>
+              <a:ext uri="{FF2B5EF4-FFF2-40B4-BE49-F238E27FC236}">
+                <a16:creationId xmlns:a16="http://schemas.microsoft.com/office/drawing/2014/main" id="{EDBE4568-59F1-4778-9D34-BDE7FE120C99}"/>
+              </a:ext>
+            </a:extLst>
+          </p:cNvPr>
+          <p:cNvSpPr/>
+          <p:nvPr/>
+        </p:nvSpPr>
+        <p:spPr>
+          <a:xfrm>
+            <a:off x="6299391" y="3003015"/>
+            <a:ext cx="198028" cy="170714"/>
+          </a:xfrm>
+          <a:prstGeom prst="triangle">
+            <a:avLst/>
+          </a:prstGeom>
+          <a:ln w="12700">
+            <a:prstDash val="solid"/>
+          </a:ln>
+        </p:spPr>
+        <p:style>
+          <a:lnRef idx="2">
+            <a:schemeClr val="dk1"/>
+          </a:lnRef>
+          <a:fillRef idx="0">
+            <a:schemeClr val="dk1"/>
+          </a:fillRef>
+          <a:effectRef idx="1">
+            <a:schemeClr val="dk1"/>
+          </a:effectRef>
+          <a:fontRef idx="minor">
+            <a:schemeClr val="tx1"/>
+          </a:fontRef>
+        </p:style>
+        <p:txBody>
+          <a:bodyPr rtlCol="0" anchor="ctr"/>
+          <a:lstStyle/>
+          <a:p>
+            <a:pPr algn="ctr"/>
+            <a:endParaRPr lang="fr-FR" sz="1600"/>
+          </a:p>
+        </p:txBody>
+      </p:sp>
+      <p:sp>
+        <p:nvSpPr>
+          <p:cNvPr id="69" name="Triangle isocèle 68">
+            <a:extLst>
+              <a:ext uri="{FF2B5EF4-FFF2-40B4-BE49-F238E27FC236}">
+                <a16:creationId xmlns:a16="http://schemas.microsoft.com/office/drawing/2014/main" id="{2329A71A-EE86-4C2A-BC2F-5E5E89F0BA46}"/>
+              </a:ext>
+            </a:extLst>
+          </p:cNvPr>
+          <p:cNvSpPr/>
+          <p:nvPr/>
+        </p:nvSpPr>
+        <p:spPr>
+          <a:xfrm>
+            <a:off x="6299391" y="3287619"/>
+            <a:ext cx="198028" cy="170714"/>
+          </a:xfrm>
+          <a:prstGeom prst="triangle">
+            <a:avLst/>
+          </a:prstGeom>
+          <a:ln w="12700">
+            <a:prstDash val="solid"/>
+          </a:ln>
+        </p:spPr>
+        <p:style>
+          <a:lnRef idx="2">
+            <a:schemeClr val="dk1"/>
+          </a:lnRef>
+          <a:fillRef idx="0">
+            <a:schemeClr val="dk1"/>
+          </a:fillRef>
+          <a:effectRef idx="1">
+            <a:schemeClr val="dk1"/>
+          </a:effectRef>
+          <a:fontRef idx="minor">
+            <a:schemeClr val="tx1"/>
+          </a:fontRef>
+        </p:style>
+        <p:txBody>
+          <a:bodyPr rtlCol="0" anchor="ctr"/>
+          <a:lstStyle/>
+          <a:p>
+            <a:pPr algn="ctr"/>
+            <a:endParaRPr lang="fr-FR" sz="1600"/>
+          </a:p>
+        </p:txBody>
+      </p:sp>
+      <mc:AlternateContent xmlns:mc="http://schemas.openxmlformats.org/markup-compatibility/2006">
+        <mc:Choice xmlns:a14="http://schemas.microsoft.com/office/drawing/2010/main" Requires="a14">
+          <p:sp>
+            <p:nvSpPr>
+              <p:cNvPr id="70" name="ZoneTexte 69">
+                <a:extLst>
+                  <a:ext uri="{FF2B5EF4-FFF2-40B4-BE49-F238E27FC236}">
+                    <a16:creationId xmlns:a16="http://schemas.microsoft.com/office/drawing/2014/main" id="{5DDE2CEB-59D2-4CFE-8705-437A77ACA710}"/>
+                  </a:ext>
+                </a:extLst>
+              </p:cNvPr>
+              <p:cNvSpPr txBox="1"/>
+              <p:nvPr/>
+            </p:nvSpPr>
+            <p:spPr>
+              <a:xfrm>
+                <a:off x="6235978" y="3377292"/>
+                <a:ext cx="324128" cy="261610"/>
+              </a:xfrm>
+              <a:prstGeom prst="rect">
+                <a:avLst/>
+              </a:prstGeom>
+              <a:noFill/>
+            </p:spPr>
+            <p:txBody>
+              <a:bodyPr wrap="none" rtlCol="0">
+                <a:spAutoFit/>
+              </a:bodyPr>
+              <a:lstStyle/>
+              <a:p>
+                <a:pPr/>
+                <a14:m>
+                  <m:oMathPara xmlns:m="http://schemas.openxmlformats.org/officeDocument/2006/math">
+                    <m:oMathParaPr>
+                      <m:jc m:val="centerGroup"/>
+                    </m:oMathParaPr>
+                    <m:oMath xmlns:m="http://schemas.openxmlformats.org/officeDocument/2006/math">
+                      <m:r>
+                        <a:rPr lang="fr-FR" sz="1100" i="1">
+                          <a:latin typeface="Cambria Math" panose="02040503050406030204" pitchFamily="18" charset="0"/>
+                        </a:rPr>
+                        <m:t>×</m:t>
+                      </m:r>
+                    </m:oMath>
+                  </m:oMathPara>
+                </a14:m>
+                <a:endParaRPr lang="fr-FR" sz="1100" dirty="0"/>
+              </a:p>
+            </p:txBody>
+          </p:sp>
+        </mc:Choice>
+        <mc:Fallback>
+          <p:sp>
+            <p:nvSpPr>
+              <p:cNvPr id="70" name="ZoneTexte 69">
+                <a:extLst>
+                  <a:ext uri="{FF2B5EF4-FFF2-40B4-BE49-F238E27FC236}">
+                    <a16:creationId xmlns:a16="http://schemas.microsoft.com/office/drawing/2014/main" id="{5DDE2CEB-59D2-4CFE-8705-437A77ACA710}"/>
+                  </a:ext>
+                </a:extLst>
+              </p:cNvPr>
+              <p:cNvSpPr txBox="1">
+                <a:spLocks noRot="1" noChangeAspect="1" noMove="1" noResize="1" noEditPoints="1" noAdjustHandles="1" noChangeArrowheads="1" noChangeShapeType="1" noTextEdit="1"/>
+              </p:cNvSpPr>
+              <p:nvPr/>
+            </p:nvSpPr>
+            <p:spPr>
+              <a:xfrm>
+                <a:off x="6235978" y="3377292"/>
+                <a:ext cx="324128" cy="261610"/>
+              </a:xfrm>
+              <a:prstGeom prst="rect">
+                <a:avLst/>
+              </a:prstGeom>
+              <a:blipFill>
+                <a:blip r:embed="rId15"/>
+                <a:stretch>
+                  <a:fillRect/>
+                </a:stretch>
+              </a:blipFill>
+            </p:spPr>
+            <p:txBody>
+              <a:bodyPr/>
+              <a:lstStyle/>
+              <a:p>
+                <a:r>
+                  <a:rPr lang="fr-FR">
+                    <a:noFill/>
+                  </a:rPr>
+                  <a:t> </a:t>
+                </a:r>
+              </a:p>
+            </p:txBody>
+          </p:sp>
+        </mc:Fallback>
+      </mc:AlternateContent>
+      <p:sp>
+        <p:nvSpPr>
+          <p:cNvPr id="74" name="Triangle isocèle 73">
+            <a:extLst>
+              <a:ext uri="{FF2B5EF4-FFF2-40B4-BE49-F238E27FC236}">
+                <a16:creationId xmlns:a16="http://schemas.microsoft.com/office/drawing/2014/main" id="{F405280A-9E3E-45A8-B396-1BB919F16772}"/>
+              </a:ext>
+            </a:extLst>
+          </p:cNvPr>
+          <p:cNvSpPr/>
+          <p:nvPr/>
+        </p:nvSpPr>
+        <p:spPr>
+          <a:xfrm>
+            <a:off x="6305845" y="3622577"/>
+            <a:ext cx="198028" cy="170714"/>
+          </a:xfrm>
+          <a:prstGeom prst="triangle">
+            <a:avLst/>
+          </a:prstGeom>
+          <a:ln w="12700">
+            <a:prstDash val="sysDot"/>
+          </a:ln>
+        </p:spPr>
+        <p:style>
+          <a:lnRef idx="2">
+            <a:schemeClr val="dk1"/>
+          </a:lnRef>
+          <a:fillRef idx="0">
+            <a:schemeClr val="dk1"/>
+          </a:fillRef>
+          <a:effectRef idx="1">
+            <a:schemeClr val="dk1"/>
+          </a:effectRef>
+          <a:fontRef idx="minor">
+            <a:schemeClr val="tx1"/>
+          </a:fontRef>
+        </p:style>
+        <p:txBody>
+          <a:bodyPr rtlCol="0" anchor="ctr"/>
+          <a:lstStyle/>
+          <a:p>
+            <a:pPr algn="ctr"/>
+            <a:endParaRPr lang="fr-FR" sz="1600"/>
+          </a:p>
+        </p:txBody>
+      </p:sp>
+      <p:sp>
+        <p:nvSpPr>
+          <p:cNvPr id="88" name="Ellipse 87">
+            <a:extLst>
+              <a:ext uri="{FF2B5EF4-FFF2-40B4-BE49-F238E27FC236}">
+                <a16:creationId xmlns:a16="http://schemas.microsoft.com/office/drawing/2014/main" id="{573E9AE4-E9EF-4969-9679-9489705B4DB6}"/>
+              </a:ext>
+            </a:extLst>
+          </p:cNvPr>
+          <p:cNvSpPr/>
+          <p:nvPr/>
+        </p:nvSpPr>
+        <p:spPr>
+          <a:xfrm>
+            <a:off x="6366403" y="3729441"/>
+            <a:ext cx="36000" cy="36000"/>
+          </a:xfrm>
+          <a:prstGeom prst="ellipse">
+            <a:avLst/>
+          </a:prstGeom>
+          <a:solidFill>
+            <a:srgbClr val="0070C0"/>
+          </a:solidFill>
+          <a:ln>
+            <a:solidFill>
+              <a:srgbClr val="0070C0"/>
+            </a:solidFill>
+          </a:ln>
+        </p:spPr>
+        <p:style>
+          <a:lnRef idx="2">
+            <a:schemeClr val="accent1">
+              <a:shade val="50000"/>
+            </a:schemeClr>
+          </a:lnRef>
+          <a:fillRef idx="1">
+            <a:schemeClr val="accent1"/>
+          </a:fillRef>
+          <a:effectRef idx="0">
+            <a:schemeClr val="accent1"/>
+          </a:effectRef>
+          <a:fontRef idx="minor">
+            <a:schemeClr val="lt1"/>
+          </a:fontRef>
+        </p:style>
+        <p:txBody>
+          <a:bodyPr rtlCol="0" anchor="ctr"/>
+          <a:lstStyle/>
+          <a:p>
+            <a:pPr algn="ctr"/>
+            <a:endParaRPr lang="fr-FR"/>
+          </a:p>
+        </p:txBody>
+      </p:sp>
+      <p:cxnSp>
+        <p:nvCxnSpPr>
+          <p:cNvPr id="134" name="Connecteur droit 133">
+            <a:extLst>
+              <a:ext uri="{FF2B5EF4-FFF2-40B4-BE49-F238E27FC236}">
+                <a16:creationId xmlns:a16="http://schemas.microsoft.com/office/drawing/2014/main" id="{97B66613-9064-4858-92B3-7F5AE993BC31}"/>
+              </a:ext>
+            </a:extLst>
+          </p:cNvPr>
+          <p:cNvCxnSpPr>
+            <a:cxnSpLocks/>
+          </p:cNvCxnSpPr>
+          <p:nvPr/>
+        </p:nvCxnSpPr>
+        <p:spPr>
+          <a:xfrm>
+            <a:off x="4206941" y="434106"/>
             <a:ext cx="0" cy="1889185"/>
           </a:xfrm>
           <a:prstGeom prst="line">
@@ -7916,7 +7905,7 @@
             </p:nvSpPr>
             <p:spPr>
               <a:xfrm>
-                <a:off x="3756848" y="2335044"/>
+                <a:off x="3756848" y="2422505"/>
                 <a:ext cx="1781257" cy="653705"/>
               </a:xfrm>
               <a:prstGeom prst="rect">
@@ -8029,7 +8018,7 @@
             </p:nvSpPr>
             <p:spPr>
               <a:xfrm>
-                <a:off x="3756848" y="2335044"/>
+                <a:off x="3756848" y="2422505"/>
                 <a:ext cx="1781257" cy="653705"/>
               </a:xfrm>
               <a:prstGeom prst="rect">
@@ -8038,7 +8027,7 @@
               <a:blipFill>
                 <a:blip r:embed="rId16"/>
                 <a:stretch>
-                  <a:fillRect l="-2740" t="-4673" r="-342" b="-4673"/>
+                  <a:fillRect l="-2740" t="-4630" r="-342" b="-3704"/>
                 </a:stretch>
               </a:blipFill>
             </p:spPr>
@@ -8071,7 +8060,7 @@
         </p:nvSpPr>
         <p:spPr>
           <a:xfrm>
-            <a:off x="2281" y="2041384"/>
+            <a:off x="2281" y="2128845"/>
             <a:ext cx="242374" cy="338554"/>
           </a:xfrm>
           <a:prstGeom prst="rect">
@@ -8113,7 +8102,7 @@
         </p:nvSpPr>
         <p:spPr>
           <a:xfrm>
-            <a:off x="-36472" y="165649"/>
+            <a:off x="-36472" y="253110"/>
             <a:ext cx="298480" cy="338554"/>
           </a:xfrm>
           <a:prstGeom prst="rect">
@@ -8157,7 +8146,7 @@
         </p:nvCxnSpPr>
         <p:spPr>
           <a:xfrm>
-            <a:off x="666972" y="346647"/>
+            <a:off x="666972" y="434108"/>
             <a:ext cx="0" cy="840715"/>
           </a:xfrm>
           <a:prstGeom prst="line">
@@ -8198,7 +8187,7 @@
         </p:nvCxnSpPr>
         <p:spPr>
           <a:xfrm>
-            <a:off x="1654512" y="346642"/>
+            <a:off x="1654512" y="434103"/>
             <a:ext cx="0" cy="360000"/>
           </a:xfrm>
           <a:prstGeom prst="line">
@@ -8239,7 +8228,7 @@
         </p:nvCxnSpPr>
         <p:spPr>
           <a:xfrm>
-            <a:off x="1289438" y="714229"/>
+            <a:off x="1289438" y="801690"/>
             <a:ext cx="730148" cy="0"/>
           </a:xfrm>
           <a:prstGeom prst="line">
@@ -8280,7 +8269,7 @@
             </p:nvSpPr>
             <p:spPr>
               <a:xfrm>
-                <a:off x="815576" y="2337526"/>
+                <a:off x="815576" y="2424987"/>
                 <a:ext cx="1332416" cy="650306"/>
               </a:xfrm>
               <a:prstGeom prst="rect">
@@ -8382,7 +8371,7 @@
             </p:nvSpPr>
             <p:spPr>
               <a:xfrm>
-                <a:off x="815576" y="2337526"/>
+                <a:off x="815576" y="2424987"/>
                 <a:ext cx="1332416" cy="650306"/>
               </a:xfrm>
               <a:prstGeom prst="rect">
@@ -8391,7 +8380,7 @@
               <a:blipFill>
                 <a:blip r:embed="rId17"/>
                 <a:stretch>
-                  <a:fillRect l="-4128" t="-4673" b="-4673"/>
+                  <a:fillRect l="-4128" t="-5660" b="-4717"/>
                 </a:stretch>
               </a:blipFill>
             </p:spPr>
@@ -8426,7 +8415,7 @@
         </p:nvCxnSpPr>
         <p:spPr>
           <a:xfrm>
-            <a:off x="261879" y="346645"/>
+            <a:off x="261879" y="434106"/>
             <a:ext cx="2124000" cy="0"/>
           </a:xfrm>
           <a:prstGeom prst="line">
@@ -8471,7 +8460,7 @@
         </p:nvCxnSpPr>
         <p:spPr>
           <a:xfrm>
-            <a:off x="305059" y="84308"/>
+            <a:off x="305059" y="171769"/>
             <a:ext cx="0" cy="2427461"/>
           </a:xfrm>
           <a:prstGeom prst="straightConnector1">
@@ -8520,7 +8509,7 @@
             </p:nvSpPr>
             <p:spPr>
               <a:xfrm>
-                <a:off x="473863" y="1047685"/>
+                <a:off x="473863" y="1135146"/>
                 <a:ext cx="388248" cy="338554"/>
               </a:xfrm>
               <a:prstGeom prst="rect">
@@ -8579,7 +8568,7 @@
             </p:nvSpPr>
             <p:spPr>
               <a:xfrm>
-                <a:off x="473863" y="1047685"/>
+                <a:off x="473863" y="1135146"/>
                 <a:ext cx="388248" cy="338554"/>
               </a:xfrm>
               <a:prstGeom prst="rect">
@@ -8621,7 +8610,7 @@
         </p:nvSpPr>
         <p:spPr>
           <a:xfrm>
-            <a:off x="1618512" y="679409"/>
+            <a:off x="1618512" y="766870"/>
             <a:ext cx="72000" cy="72000"/>
           </a:xfrm>
           <a:prstGeom prst="rect">
@@ -8675,7 +8664,7 @@
         </p:nvSpPr>
         <p:spPr>
           <a:xfrm>
-            <a:off x="1123034" y="1089404"/>
+            <a:off x="1123034" y="1176865"/>
             <a:ext cx="338527" cy="291834"/>
           </a:xfrm>
           <a:prstGeom prst="triangle">
@@ -8724,7 +8713,7 @@
         </p:nvCxnSpPr>
         <p:spPr>
           <a:xfrm>
-            <a:off x="1289438" y="697434"/>
+            <a:off x="1289438" y="784895"/>
             <a:ext cx="0" cy="386890"/>
           </a:xfrm>
           <a:prstGeom prst="line">
@@ -8763,7 +8752,7 @@
         </p:nvSpPr>
         <p:spPr>
           <a:xfrm>
-            <a:off x="1864696" y="1265319"/>
+            <a:off x="1864696" y="1352780"/>
             <a:ext cx="338527" cy="291834"/>
           </a:xfrm>
           <a:prstGeom prst="triangle">
@@ -8812,7 +8801,7 @@
         </p:nvCxnSpPr>
         <p:spPr>
           <a:xfrm>
-            <a:off x="2034909" y="698990"/>
+            <a:off x="2034909" y="786451"/>
             <a:ext cx="0" cy="576000"/>
           </a:xfrm>
           <a:prstGeom prst="line">
@@ -8853,7 +8842,7 @@
         </p:nvCxnSpPr>
         <p:spPr>
           <a:xfrm>
-            <a:off x="1986141" y="350338"/>
+            <a:off x="1986141" y="437799"/>
             <a:ext cx="0" cy="352179"/>
           </a:xfrm>
           <a:prstGeom prst="straightConnector1">
@@ -8893,7 +8882,7 @@
         </p:nvSpPr>
         <p:spPr>
           <a:xfrm>
-            <a:off x="2061264" y="333183"/>
+            <a:off x="2061264" y="420644"/>
             <a:ext cx="298480" cy="338554"/>
           </a:xfrm>
           <a:prstGeom prst="rect">
@@ -8932,7 +8921,7 @@
         </p:nvSpPr>
         <p:spPr>
           <a:xfrm>
-            <a:off x="433258" y="-71471"/>
+            <a:off x="433258" y="8039"/>
             <a:ext cx="5044971" cy="369332"/>
           </a:xfrm>
           <a:prstGeom prst="rect">
@@ -8947,7 +8936,7 @@
           <a:lstStyle/>
           <a:p>
             <a:r>
-              <a:rPr lang="fr-FR" sz="1800" dirty="0"/>
+              <a:rPr lang="fr-FR" sz="1800" i="1" dirty="0"/>
               <a:t>(a)           (b)                         (c)       (d)           (e)</a:t>
             </a:r>
           </a:p>
@@ -8969,7 +8958,7 @@
             </p:nvSpPr>
             <p:spPr>
               <a:xfrm>
-                <a:off x="828372" y="1574424"/>
+                <a:off x="828372" y="1661885"/>
                 <a:ext cx="969432" cy="310854"/>
               </a:xfrm>
               <a:prstGeom prst="rect">
@@ -9077,7 +9066,7 @@
             </p:nvSpPr>
             <p:spPr>
               <a:xfrm>
-                <a:off x="828372" y="1574424"/>
+                <a:off x="828372" y="1661885"/>
                 <a:ext cx="969432" cy="310854"/>
               </a:xfrm>
               <a:prstGeom prst="rect">
@@ -9121,7 +9110,7 @@
             </p:nvSpPr>
             <p:spPr>
               <a:xfrm>
-                <a:off x="1090580" y="1299843"/>
+                <a:off x="1090580" y="1387304"/>
                 <a:ext cx="388248" cy="338554"/>
               </a:xfrm>
               <a:prstGeom prst="rect">
@@ -9173,7 +9162,7 @@
             </p:nvSpPr>
             <p:spPr>
               <a:xfrm>
-                <a:off x="1090580" y="1299843"/>
+                <a:off x="1090580" y="1387304"/>
                 <a:ext cx="388248" cy="338554"/>
               </a:xfrm>
               <a:prstGeom prst="rect">
@@ -9217,7 +9206,7 @@
             </p:nvSpPr>
             <p:spPr>
               <a:xfrm>
-                <a:off x="1838454" y="1475672"/>
+                <a:off x="1838454" y="1563133"/>
                 <a:ext cx="388248" cy="338554"/>
               </a:xfrm>
               <a:prstGeom prst="rect">
@@ -9269,7 +9258,7 @@
             </p:nvSpPr>
             <p:spPr>
               <a:xfrm>
-                <a:off x="1838454" y="1475672"/>
+                <a:off x="1838454" y="1563133"/>
                 <a:ext cx="388248" cy="338554"/>
               </a:xfrm>
               <a:prstGeom prst="rect">
@@ -9313,7 +9302,7 @@
             </p:nvSpPr>
             <p:spPr>
               <a:xfrm>
-                <a:off x="1641663" y="1765089"/>
+                <a:off x="1641663" y="1852550"/>
                 <a:ext cx="969432" cy="310854"/>
               </a:xfrm>
               <a:prstGeom prst="rect">
@@ -9421,7 +9410,7 @@
             </p:nvSpPr>
             <p:spPr>
               <a:xfrm>
-                <a:off x="1641663" y="1765089"/>
+                <a:off x="1641663" y="1852550"/>
                 <a:ext cx="969432" cy="310854"/>
               </a:xfrm>
               <a:prstGeom prst="rect">
@@ -9465,7 +9454,7 @@
         </p:nvCxnSpPr>
         <p:spPr>
           <a:xfrm>
-            <a:off x="3497207" y="346646"/>
+            <a:off x="3497207" y="434107"/>
             <a:ext cx="0" cy="840715"/>
           </a:xfrm>
           <a:prstGeom prst="line">
@@ -9506,7 +9495,7 @@
             </p:nvSpPr>
             <p:spPr>
               <a:xfrm>
-                <a:off x="3309904" y="1032444"/>
+                <a:off x="3309904" y="1119905"/>
                 <a:ext cx="388248" cy="338554"/>
               </a:xfrm>
               <a:prstGeom prst="rect">
@@ -9565,7 +9554,7 @@
             </p:nvSpPr>
             <p:spPr>
               <a:xfrm>
-                <a:off x="3309904" y="1032444"/>
+                <a:off x="3309904" y="1119905"/>
                 <a:ext cx="388248" cy="338554"/>
               </a:xfrm>
               <a:prstGeom prst="rect">
@@ -9609,7 +9598,7 @@
         </p:nvCxnSpPr>
         <p:spPr>
           <a:xfrm>
-            <a:off x="5191100" y="357625"/>
+            <a:off x="5191100" y="445086"/>
             <a:ext cx="0" cy="360000"/>
           </a:xfrm>
           <a:prstGeom prst="line">
@@ -9650,7 +9639,7 @@
         </p:nvCxnSpPr>
         <p:spPr>
           <a:xfrm>
-            <a:off x="4826026" y="725212"/>
+            <a:off x="4826026" y="812673"/>
             <a:ext cx="730148" cy="0"/>
           </a:xfrm>
           <a:prstGeom prst="line">
@@ -9689,7 +9678,7 @@
         </p:nvSpPr>
         <p:spPr>
           <a:xfrm>
-            <a:off x="5155100" y="690392"/>
+            <a:off x="5155100" y="777853"/>
             <a:ext cx="72000" cy="72000"/>
           </a:xfrm>
           <a:prstGeom prst="rect">
@@ -9743,7 +9732,7 @@
         </p:nvSpPr>
         <p:spPr>
           <a:xfrm>
-            <a:off x="4659623" y="1100387"/>
+            <a:off x="4659623" y="1187848"/>
             <a:ext cx="338527" cy="291834"/>
           </a:xfrm>
           <a:prstGeom prst="triangle">
@@ -9793,7 +9782,7 @@
         </p:nvCxnSpPr>
         <p:spPr>
           <a:xfrm>
-            <a:off x="4826026" y="713497"/>
+            <a:off x="4826026" y="800958"/>
             <a:ext cx="0" cy="386890"/>
           </a:xfrm>
           <a:prstGeom prst="line">
@@ -9832,7 +9821,7 @@
         </p:nvSpPr>
         <p:spPr>
           <a:xfrm>
-            <a:off x="5401284" y="1276302"/>
+            <a:off x="5401284" y="1363763"/>
             <a:ext cx="338527" cy="291834"/>
           </a:xfrm>
           <a:prstGeom prst="triangle">
@@ -9881,7 +9870,7 @@
         </p:nvCxnSpPr>
         <p:spPr>
           <a:xfrm>
-            <a:off x="5571497" y="709972"/>
+            <a:off x="5571497" y="797433"/>
             <a:ext cx="0" cy="576000"/>
           </a:xfrm>
           <a:prstGeom prst="line">
@@ -9922,7 +9911,7 @@
         </p:nvCxnSpPr>
         <p:spPr>
           <a:xfrm>
-            <a:off x="5522729" y="361321"/>
+            <a:off x="5522729" y="448782"/>
             <a:ext cx="0" cy="352179"/>
           </a:xfrm>
           <a:prstGeom prst="straightConnector1">
@@ -9962,7 +9951,7 @@
         </p:nvSpPr>
         <p:spPr>
           <a:xfrm>
-            <a:off x="5597852" y="344165"/>
+            <a:off x="5597852" y="431626"/>
             <a:ext cx="298480" cy="338554"/>
           </a:xfrm>
           <a:prstGeom prst="rect">
@@ -10003,7 +9992,7 @@
             </p:nvSpPr>
             <p:spPr>
               <a:xfrm>
-                <a:off x="4183105" y="1432108"/>
+                <a:off x="4183105" y="1519569"/>
                 <a:ext cx="1280672" cy="313484"/>
               </a:xfrm>
               <a:prstGeom prst="rect">
@@ -10117,7 +10106,7 @@
             </p:nvSpPr>
             <p:spPr>
               <a:xfrm>
-                <a:off x="4183105" y="1432108"/>
+                <a:off x="4183105" y="1519569"/>
                 <a:ext cx="1280672" cy="313484"/>
               </a:xfrm>
               <a:prstGeom prst="rect">
@@ -10126,7 +10115,7 @@
               <a:blipFill>
                 <a:blip r:embed="rId24"/>
                 <a:stretch>
-                  <a:fillRect b="-3922"/>
+                  <a:fillRect b="-1923"/>
                 </a:stretch>
               </a:blipFill>
             </p:spPr>
@@ -10161,7 +10150,7 @@
             </p:nvSpPr>
             <p:spPr>
               <a:xfrm>
-                <a:off x="5006810" y="1678127"/>
+                <a:off x="5006810" y="1765588"/>
                 <a:ext cx="1280672" cy="313484"/>
               </a:xfrm>
               <a:prstGeom prst="rect">
@@ -10275,7 +10264,7 @@
             </p:nvSpPr>
             <p:spPr>
               <a:xfrm>
-                <a:off x="5006810" y="1678127"/>
+                <a:off x="5006810" y="1765588"/>
                 <a:ext cx="1280672" cy="313484"/>
               </a:xfrm>
               <a:prstGeom prst="rect">
@@ -10284,7 +10273,7 @@
               <a:blipFill>
                 <a:blip r:embed="rId25"/>
                 <a:stretch>
-                  <a:fillRect b="-1923"/>
+                  <a:fillRect b="-3922"/>
                 </a:stretch>
               </a:blipFill>
             </p:spPr>
@@ -10319,7 +10308,7 @@
         </p:nvCxnSpPr>
         <p:spPr>
           <a:xfrm>
-            <a:off x="261879" y="2235827"/>
+            <a:off x="261879" y="2323288"/>
             <a:ext cx="2124000" cy="0"/>
           </a:xfrm>
           <a:prstGeom prst="line">
@@ -10364,7 +10353,7 @@
         </p:nvSpPr>
         <p:spPr>
           <a:xfrm>
-            <a:off x="2872611" y="2041385"/>
+            <a:off x="2872611" y="2128846"/>
             <a:ext cx="242374" cy="338554"/>
           </a:xfrm>
           <a:prstGeom prst="rect">
@@ -10406,7 +10395,7 @@
         </p:nvSpPr>
         <p:spPr>
           <a:xfrm>
-            <a:off x="2833858" y="165650"/>
+            <a:off x="2833858" y="253111"/>
             <a:ext cx="298480" cy="338554"/>
           </a:xfrm>
           <a:prstGeom prst="rect">
@@ -10450,7 +10439,7 @@
         </p:nvCxnSpPr>
         <p:spPr>
           <a:xfrm>
-            <a:off x="3132209" y="346645"/>
+            <a:off x="3132209" y="434106"/>
             <a:ext cx="2880000" cy="0"/>
           </a:xfrm>
           <a:prstGeom prst="line">
@@ -10495,7 +10484,7 @@
         </p:nvCxnSpPr>
         <p:spPr>
           <a:xfrm>
-            <a:off x="3175389" y="84309"/>
+            <a:off x="3175389" y="171770"/>
             <a:ext cx="0" cy="2427461"/>
           </a:xfrm>
           <a:prstGeom prst="straightConnector1">
@@ -10544,7 +10533,7 @@
         </p:nvCxnSpPr>
         <p:spPr>
           <a:xfrm>
-            <a:off x="3132209" y="2235827"/>
+            <a:off x="3132209" y="2323288"/>
             <a:ext cx="2880000" cy="0"/>
           </a:xfrm>
           <a:prstGeom prst="line">
@@ -10589,7 +10578,7 @@
         </p:nvSpPr>
         <p:spPr>
           <a:xfrm rot="16200000">
-            <a:off x="-158940" y="1067288"/>
+            <a:off x="-158940" y="1154749"/>
             <a:ext cx="572593" cy="338554"/>
           </a:xfrm>
           <a:prstGeom prst="rect">
@@ -10631,7 +10620,7 @@
         </p:nvSpPr>
         <p:spPr>
           <a:xfrm rot="16200000">
-            <a:off x="2734735" y="1079905"/>
+            <a:off x="2734735" y="1167366"/>
             <a:ext cx="572593" cy="338554"/>
           </a:xfrm>
           <a:prstGeom prst="rect">
